--- a/공연 예약 페이지.pptx
+++ b/공연 예약 페이지.pptx
@@ -7,6 +7,8 @@
   <p:sldIdLst>
     <p:sldId id="256" r:id="rId2"/>
     <p:sldId id="257" r:id="rId3"/>
+    <p:sldId id="258" r:id="rId4"/>
+    <p:sldId id="259" r:id="rId5"/>
   </p:sldIdLst>
   <p:sldSz cx="12192000" cy="6858000"/>
   <p:notesSz cx="6858000" cy="9144000"/>
@@ -105,6 +107,27 @@
       </a:defRPr>
     </a:lvl9pPr>
   </p:defaultTextStyle>
+  <p:extLst>
+    <p:ext uri="{521415D9-36F7-43E2-AB2F-B90AF26B5E84}">
+      <p14:sectionLst xmlns:p14="http://schemas.microsoft.com/office/powerpoint/2010/main">
+        <p14:section name="기본 구역" id="{673D4EF0-39BF-4FD3-8A4A-C0E18BDC398B}">
+          <p14:sldIdLst>
+            <p14:sldId id="256"/>
+          </p14:sldIdLst>
+        </p14:section>
+        <p14:section name="제목 없는 구역" id="{02C6C840-1695-48AD-914E-24033FA1D9C5}">
+          <p14:sldIdLst>
+            <p14:sldId id="257"/>
+            <p14:sldId id="258"/>
+            <p14:sldId id="259"/>
+          </p14:sldIdLst>
+        </p14:section>
+      </p14:sectionLst>
+    </p:ext>
+    <p:ext uri="{EFAFB233-063F-42B5-8137-9DF3F51BA10A}">
+      <p15:sldGuideLst xmlns:p15="http://schemas.microsoft.com/office/powerpoint/2012/main"/>
+    </p:ext>
+  </p:extLst>
 </p:presentation>
 </file>
 
@@ -255,7 +278,7 @@
           <a:p>
             <a:fld id="{BB8BEAB7-1C9A-447C-87A3-F5C43A3941F5}" type="datetimeFigureOut">
               <a:rPr lang="ko-KR" altLang="en-US" smtClean="0"/>
-              <a:t>2022-06-02</a:t>
+              <a:t>2022-06-03</a:t>
             </a:fld>
             <a:endParaRPr lang="ko-KR" altLang="en-US"/>
           </a:p>
@@ -453,7 +476,7 @@
           <a:p>
             <a:fld id="{BB8BEAB7-1C9A-447C-87A3-F5C43A3941F5}" type="datetimeFigureOut">
               <a:rPr lang="ko-KR" altLang="en-US" smtClean="0"/>
-              <a:t>2022-06-02</a:t>
+              <a:t>2022-06-03</a:t>
             </a:fld>
             <a:endParaRPr lang="ko-KR" altLang="en-US"/>
           </a:p>
@@ -661,7 +684,7 @@
           <a:p>
             <a:fld id="{BB8BEAB7-1C9A-447C-87A3-F5C43A3941F5}" type="datetimeFigureOut">
               <a:rPr lang="ko-KR" altLang="en-US" smtClean="0"/>
-              <a:t>2022-06-02</a:t>
+              <a:t>2022-06-03</a:t>
             </a:fld>
             <a:endParaRPr lang="ko-KR" altLang="en-US"/>
           </a:p>
@@ -859,7 +882,7 @@
           <a:p>
             <a:fld id="{BB8BEAB7-1C9A-447C-87A3-F5C43A3941F5}" type="datetimeFigureOut">
               <a:rPr lang="ko-KR" altLang="en-US" smtClean="0"/>
-              <a:t>2022-06-02</a:t>
+              <a:t>2022-06-03</a:t>
             </a:fld>
             <a:endParaRPr lang="ko-KR" altLang="en-US"/>
           </a:p>
@@ -1134,7 +1157,7 @@
           <a:p>
             <a:fld id="{BB8BEAB7-1C9A-447C-87A3-F5C43A3941F5}" type="datetimeFigureOut">
               <a:rPr lang="ko-KR" altLang="en-US" smtClean="0"/>
-              <a:t>2022-06-02</a:t>
+              <a:t>2022-06-03</a:t>
             </a:fld>
             <a:endParaRPr lang="ko-KR" altLang="en-US"/>
           </a:p>
@@ -1399,7 +1422,7 @@
           <a:p>
             <a:fld id="{BB8BEAB7-1C9A-447C-87A3-F5C43A3941F5}" type="datetimeFigureOut">
               <a:rPr lang="ko-KR" altLang="en-US" smtClean="0"/>
-              <a:t>2022-06-02</a:t>
+              <a:t>2022-06-03</a:t>
             </a:fld>
             <a:endParaRPr lang="ko-KR" altLang="en-US"/>
           </a:p>
@@ -1811,7 +1834,7 @@
           <a:p>
             <a:fld id="{BB8BEAB7-1C9A-447C-87A3-F5C43A3941F5}" type="datetimeFigureOut">
               <a:rPr lang="ko-KR" altLang="en-US" smtClean="0"/>
-              <a:t>2022-06-02</a:t>
+              <a:t>2022-06-03</a:t>
             </a:fld>
             <a:endParaRPr lang="ko-KR" altLang="en-US"/>
           </a:p>
@@ -1952,7 +1975,7 @@
           <a:p>
             <a:fld id="{BB8BEAB7-1C9A-447C-87A3-F5C43A3941F5}" type="datetimeFigureOut">
               <a:rPr lang="ko-KR" altLang="en-US" smtClean="0"/>
-              <a:t>2022-06-02</a:t>
+              <a:t>2022-06-03</a:t>
             </a:fld>
             <a:endParaRPr lang="ko-KR" altLang="en-US"/>
           </a:p>
@@ -2065,7 +2088,7 @@
           <a:p>
             <a:fld id="{BB8BEAB7-1C9A-447C-87A3-F5C43A3941F5}" type="datetimeFigureOut">
               <a:rPr lang="ko-KR" altLang="en-US" smtClean="0"/>
-              <a:t>2022-06-02</a:t>
+              <a:t>2022-06-03</a:t>
             </a:fld>
             <a:endParaRPr lang="ko-KR" altLang="en-US"/>
           </a:p>
@@ -2376,7 +2399,7 @@
           <a:p>
             <a:fld id="{BB8BEAB7-1C9A-447C-87A3-F5C43A3941F5}" type="datetimeFigureOut">
               <a:rPr lang="ko-KR" altLang="en-US" smtClean="0"/>
-              <a:t>2022-06-02</a:t>
+              <a:t>2022-06-03</a:t>
             </a:fld>
             <a:endParaRPr lang="ko-KR" altLang="en-US"/>
           </a:p>
@@ -2664,7 +2687,7 @@
           <a:p>
             <a:fld id="{BB8BEAB7-1C9A-447C-87A3-F5C43A3941F5}" type="datetimeFigureOut">
               <a:rPr lang="ko-KR" altLang="en-US" smtClean="0"/>
-              <a:t>2022-06-02</a:t>
+              <a:t>2022-06-03</a:t>
             </a:fld>
             <a:endParaRPr lang="ko-KR" altLang="en-US"/>
           </a:p>
@@ -2905,7 +2928,7 @@
           <a:p>
             <a:fld id="{BB8BEAB7-1C9A-447C-87A3-F5C43A3941F5}" type="datetimeFigureOut">
               <a:rPr lang="ko-KR" altLang="en-US" smtClean="0"/>
-              <a:t>2022-06-02</a:t>
+              <a:t>2022-06-03</a:t>
             </a:fld>
             <a:endParaRPr lang="ko-KR" altLang="en-US"/>
           </a:p>
@@ -4007,12 +4030,4324 @@
           <a:chExt cx="0" cy="0"/>
         </a:xfrm>
       </p:grpSpPr>
+      <p:graphicFrame>
+        <p:nvGraphicFramePr>
+          <p:cNvPr id="4" name="내용 개체 틀 3">
+            <a:extLst>
+              <a:ext uri="{FF2B5EF4-FFF2-40B4-BE49-F238E27FC236}">
+                <a16:creationId xmlns:a16="http://schemas.microsoft.com/office/drawing/2014/main" id="{8D7C775A-3228-494D-A5EF-4A19DCF50649}"/>
+              </a:ext>
+            </a:extLst>
+          </p:cNvPr>
+          <p:cNvGraphicFramePr>
+            <a:graphicFrameLocks noGrp="1"/>
+          </p:cNvGraphicFramePr>
+          <p:nvPr>
+            <p:ph idx="1"/>
+            <p:extLst>
+              <p:ext uri="{D42A27DB-BD31-4B8C-83A1-F6EECF244321}">
+                <p14:modId xmlns:p14="http://schemas.microsoft.com/office/powerpoint/2010/main" val="3656161854"/>
+              </p:ext>
+            </p:extLst>
+          </p:nvPr>
+        </p:nvGraphicFramePr>
+        <p:xfrm>
+          <a:off x="1657352" y="0"/>
+          <a:ext cx="10534648" cy="6857999"/>
+        </p:xfrm>
+        <a:graphic>
+          <a:graphicData uri="http://schemas.openxmlformats.org/drawingml/2006/table">
+            <a:tbl>
+              <a:tblPr/>
+              <a:tblGrid>
+                <a:gridCol w="1316831">
+                  <a:extLst>
+                    <a:ext uri="{9D8B030D-6E8A-4147-A177-3AD203B41FA5}">
+                      <a16:colId xmlns:a16="http://schemas.microsoft.com/office/drawing/2014/main" val="435920148"/>
+                    </a:ext>
+                  </a:extLst>
+                </a:gridCol>
+                <a:gridCol w="1316831">
+                  <a:extLst>
+                    <a:ext uri="{9D8B030D-6E8A-4147-A177-3AD203B41FA5}">
+                      <a16:colId xmlns:a16="http://schemas.microsoft.com/office/drawing/2014/main" val="2564810045"/>
+                    </a:ext>
+                  </a:extLst>
+                </a:gridCol>
+                <a:gridCol w="1316831">
+                  <a:extLst>
+                    <a:ext uri="{9D8B030D-6E8A-4147-A177-3AD203B41FA5}">
+                      <a16:colId xmlns:a16="http://schemas.microsoft.com/office/drawing/2014/main" val="3005994573"/>
+                    </a:ext>
+                  </a:extLst>
+                </a:gridCol>
+                <a:gridCol w="1316831">
+                  <a:extLst>
+                    <a:ext uri="{9D8B030D-6E8A-4147-A177-3AD203B41FA5}">
+                      <a16:colId xmlns:a16="http://schemas.microsoft.com/office/drawing/2014/main" val="4238121706"/>
+                    </a:ext>
+                  </a:extLst>
+                </a:gridCol>
+                <a:gridCol w="1316831">
+                  <a:extLst>
+                    <a:ext uri="{9D8B030D-6E8A-4147-A177-3AD203B41FA5}">
+                      <a16:colId xmlns:a16="http://schemas.microsoft.com/office/drawing/2014/main" val="647913948"/>
+                    </a:ext>
+                  </a:extLst>
+                </a:gridCol>
+                <a:gridCol w="1316831">
+                  <a:extLst>
+                    <a:ext uri="{9D8B030D-6E8A-4147-A177-3AD203B41FA5}">
+                      <a16:colId xmlns:a16="http://schemas.microsoft.com/office/drawing/2014/main" val="4263463917"/>
+                    </a:ext>
+                  </a:extLst>
+                </a:gridCol>
+                <a:gridCol w="1316831">
+                  <a:extLst>
+                    <a:ext uri="{9D8B030D-6E8A-4147-A177-3AD203B41FA5}">
+                      <a16:colId xmlns:a16="http://schemas.microsoft.com/office/drawing/2014/main" val="2393310010"/>
+                    </a:ext>
+                  </a:extLst>
+                </a:gridCol>
+                <a:gridCol w="1316831">
+                  <a:extLst>
+                    <a:ext uri="{9D8B030D-6E8A-4147-A177-3AD203B41FA5}">
+                      <a16:colId xmlns:a16="http://schemas.microsoft.com/office/drawing/2014/main" val="1444191065"/>
+                    </a:ext>
+                  </a:extLst>
+                </a:gridCol>
+              </a:tblGrid>
+              <a:tr h="1643579">
+                <a:tc>
+                  <a:txBody>
+                    <a:bodyPr/>
+                    <a:lstStyle/>
+                    <a:p>
+                      <a:pPr algn="ctr" rtl="0" fontAlgn="ctr">
+                        <a:spcBef>
+                          <a:spcPts val="0"/>
+                        </a:spcBef>
+                        <a:spcAft>
+                          <a:spcPts val="0"/>
+                        </a:spcAft>
+                      </a:pPr>
+                      <a:r>
+                        <a:rPr lang="ko-KR" altLang="en-US" sz="1600" b="1" i="0" u="none" strike="noStrike" dirty="0">
+                          <a:solidFill>
+                            <a:srgbClr val="000000"/>
+                          </a:solidFill>
+                          <a:effectLst/>
+                          <a:latin typeface="Arial" panose="020B0604020202020204" pitchFamily="34" charset="0"/>
+                        </a:rPr>
+                        <a:t>장면</a:t>
+                      </a:r>
+                      <a:endParaRPr lang="ko-KR" altLang="en-US" sz="1600" dirty="0">
+                        <a:effectLst/>
+                      </a:endParaRPr>
+                    </a:p>
+                  </a:txBody>
+                  <a:tcPr marL="79202" marR="79202" marT="79202" marB="79202" anchor="ctr">
+                    <a:lnL w="9525" cap="flat" cmpd="sng" algn="ctr">
+                      <a:solidFill>
+                        <a:srgbClr val="9E9E9E"/>
+                      </a:solidFill>
+                      <a:prstDash val="solid"/>
+                      <a:round/>
+                      <a:headEnd type="none" w="med" len="med"/>
+                      <a:tailEnd type="none" w="med" len="med"/>
+                    </a:lnL>
+                    <a:lnR w="9525" cap="flat" cmpd="sng" algn="ctr">
+                      <a:solidFill>
+                        <a:srgbClr val="9E9E9E"/>
+                      </a:solidFill>
+                      <a:prstDash val="solid"/>
+                      <a:round/>
+                      <a:headEnd type="none" w="med" len="med"/>
+                      <a:tailEnd type="none" w="med" len="med"/>
+                    </a:lnR>
+                    <a:lnT w="9525" cap="flat" cmpd="sng" algn="ctr">
+                      <a:solidFill>
+                        <a:srgbClr val="9E9E9E"/>
+                      </a:solidFill>
+                      <a:prstDash val="solid"/>
+                      <a:round/>
+                      <a:headEnd type="none" w="med" len="med"/>
+                      <a:tailEnd type="none" w="med" len="med"/>
+                    </a:lnT>
+                    <a:lnB w="9525" cap="flat" cmpd="sng" algn="ctr">
+                      <a:solidFill>
+                        <a:srgbClr val="9E9E9E"/>
+                      </a:solidFill>
+                      <a:prstDash val="solid"/>
+                      <a:round/>
+                      <a:headEnd type="none" w="med" len="med"/>
+                      <a:tailEnd type="none" w="med" len="med"/>
+                    </a:lnB>
+                  </a:tcPr>
+                </a:tc>
+                <a:tc>
+                  <a:txBody>
+                    <a:bodyPr/>
+                    <a:lstStyle/>
+                    <a:p>
+                      <a:pPr fontAlgn="ctr"/>
+                      <a:r>
+                        <a:rPr lang="ko-KR" altLang="en-US" sz="1500">
+                          <a:effectLst/>
+                        </a:rPr>
+                        <a:t> </a:t>
+                      </a:r>
+                    </a:p>
+                  </a:txBody>
+                  <a:tcPr marL="79202" marR="79202" marT="79202" marB="79202" anchor="ctr">
+                    <a:lnL w="9525" cap="flat" cmpd="sng" algn="ctr">
+                      <a:solidFill>
+                        <a:srgbClr val="9E9E9E"/>
+                      </a:solidFill>
+                      <a:prstDash val="solid"/>
+                      <a:round/>
+                      <a:headEnd type="none" w="med" len="med"/>
+                      <a:tailEnd type="none" w="med" len="med"/>
+                    </a:lnL>
+                    <a:lnR w="9525" cap="flat" cmpd="sng" algn="ctr">
+                      <a:solidFill>
+                        <a:srgbClr val="9E9E9E"/>
+                      </a:solidFill>
+                      <a:prstDash val="solid"/>
+                      <a:round/>
+                      <a:headEnd type="none" w="med" len="med"/>
+                      <a:tailEnd type="none" w="med" len="med"/>
+                    </a:lnR>
+                    <a:lnT w="9525" cap="flat" cmpd="sng" algn="ctr">
+                      <a:solidFill>
+                        <a:srgbClr val="9E9E9E"/>
+                      </a:solidFill>
+                      <a:prstDash val="solid"/>
+                      <a:round/>
+                      <a:headEnd type="none" w="med" len="med"/>
+                      <a:tailEnd type="none" w="med" len="med"/>
+                    </a:lnT>
+                    <a:lnB w="9525" cap="flat" cmpd="sng" algn="ctr">
+                      <a:solidFill>
+                        <a:srgbClr val="9E9E9E"/>
+                      </a:solidFill>
+                      <a:prstDash val="solid"/>
+                      <a:round/>
+                      <a:headEnd type="none" w="med" len="med"/>
+                      <a:tailEnd type="none" w="med" len="med"/>
+                    </a:lnB>
+                  </a:tcPr>
+                </a:tc>
+                <a:tc>
+                  <a:txBody>
+                    <a:bodyPr/>
+                    <a:lstStyle/>
+                    <a:p>
+                      <a:pPr fontAlgn="ctr"/>
+                      <a:r>
+                        <a:rPr lang="ko-KR" altLang="en-US" sz="1500">
+                          <a:effectLst/>
+                        </a:rPr>
+                        <a:t> </a:t>
+                      </a:r>
+                    </a:p>
+                  </a:txBody>
+                  <a:tcPr marL="79202" marR="79202" marT="79202" marB="79202" anchor="ctr">
+                    <a:lnL w="9525" cap="flat" cmpd="sng" algn="ctr">
+                      <a:solidFill>
+                        <a:srgbClr val="9E9E9E"/>
+                      </a:solidFill>
+                      <a:prstDash val="solid"/>
+                      <a:round/>
+                      <a:headEnd type="none" w="med" len="med"/>
+                      <a:tailEnd type="none" w="med" len="med"/>
+                    </a:lnL>
+                    <a:lnR w="9525" cap="flat" cmpd="sng" algn="ctr">
+                      <a:solidFill>
+                        <a:srgbClr val="9E9E9E"/>
+                      </a:solidFill>
+                      <a:prstDash val="solid"/>
+                      <a:round/>
+                      <a:headEnd type="none" w="med" len="med"/>
+                      <a:tailEnd type="none" w="med" len="med"/>
+                    </a:lnR>
+                    <a:lnT w="9525" cap="flat" cmpd="sng" algn="ctr">
+                      <a:solidFill>
+                        <a:srgbClr val="9E9E9E"/>
+                      </a:solidFill>
+                      <a:prstDash val="solid"/>
+                      <a:round/>
+                      <a:headEnd type="none" w="med" len="med"/>
+                      <a:tailEnd type="none" w="med" len="med"/>
+                    </a:lnT>
+                    <a:lnB w="9525" cap="flat" cmpd="sng" algn="ctr">
+                      <a:solidFill>
+                        <a:srgbClr val="9E9E9E"/>
+                      </a:solidFill>
+                      <a:prstDash val="solid"/>
+                      <a:round/>
+                      <a:headEnd type="none" w="med" len="med"/>
+                      <a:tailEnd type="none" w="med" len="med"/>
+                    </a:lnB>
+                  </a:tcPr>
+                </a:tc>
+                <a:tc>
+                  <a:txBody>
+                    <a:bodyPr/>
+                    <a:lstStyle/>
+                    <a:p>
+                      <a:pPr fontAlgn="ctr"/>
+                      <a:r>
+                        <a:rPr lang="ko-KR" altLang="en-US" sz="1500">
+                          <a:effectLst/>
+                        </a:rPr>
+                        <a:t> </a:t>
+                      </a:r>
+                    </a:p>
+                  </a:txBody>
+                  <a:tcPr marL="79202" marR="79202" marT="79202" marB="79202" anchor="ctr">
+                    <a:lnL w="9525" cap="flat" cmpd="sng" algn="ctr">
+                      <a:solidFill>
+                        <a:srgbClr val="9E9E9E"/>
+                      </a:solidFill>
+                      <a:prstDash val="solid"/>
+                      <a:round/>
+                      <a:headEnd type="none" w="med" len="med"/>
+                      <a:tailEnd type="none" w="med" len="med"/>
+                    </a:lnL>
+                    <a:lnR w="9525" cap="flat" cmpd="sng" algn="ctr">
+                      <a:solidFill>
+                        <a:srgbClr val="9E9E9E"/>
+                      </a:solidFill>
+                      <a:prstDash val="solid"/>
+                      <a:round/>
+                      <a:headEnd type="none" w="med" len="med"/>
+                      <a:tailEnd type="none" w="med" len="med"/>
+                    </a:lnR>
+                    <a:lnT w="9525" cap="flat" cmpd="sng" algn="ctr">
+                      <a:solidFill>
+                        <a:srgbClr val="9E9E9E"/>
+                      </a:solidFill>
+                      <a:prstDash val="solid"/>
+                      <a:round/>
+                      <a:headEnd type="none" w="med" len="med"/>
+                      <a:tailEnd type="none" w="med" len="med"/>
+                    </a:lnT>
+                    <a:lnB w="9525" cap="flat" cmpd="sng" algn="ctr">
+                      <a:solidFill>
+                        <a:srgbClr val="9E9E9E"/>
+                      </a:solidFill>
+                      <a:prstDash val="solid"/>
+                      <a:round/>
+                      <a:headEnd type="none" w="med" len="med"/>
+                      <a:tailEnd type="none" w="med" len="med"/>
+                    </a:lnB>
+                  </a:tcPr>
+                </a:tc>
+                <a:tc>
+                  <a:txBody>
+                    <a:bodyPr/>
+                    <a:lstStyle/>
+                    <a:p>
+                      <a:pPr fontAlgn="ctr"/>
+                      <a:r>
+                        <a:rPr lang="ko-KR" altLang="en-US" sz="1500">
+                          <a:effectLst/>
+                        </a:rPr>
+                        <a:t> </a:t>
+                      </a:r>
+                    </a:p>
+                  </a:txBody>
+                  <a:tcPr marL="79202" marR="79202" marT="79202" marB="79202" anchor="ctr">
+                    <a:lnL w="9525" cap="flat" cmpd="sng" algn="ctr">
+                      <a:solidFill>
+                        <a:srgbClr val="9E9E9E"/>
+                      </a:solidFill>
+                      <a:prstDash val="solid"/>
+                      <a:round/>
+                      <a:headEnd type="none" w="med" len="med"/>
+                      <a:tailEnd type="none" w="med" len="med"/>
+                    </a:lnL>
+                    <a:lnR w="9525" cap="flat" cmpd="sng" algn="ctr">
+                      <a:solidFill>
+                        <a:srgbClr val="9E9E9E"/>
+                      </a:solidFill>
+                      <a:prstDash val="solid"/>
+                      <a:round/>
+                      <a:headEnd type="none" w="med" len="med"/>
+                      <a:tailEnd type="none" w="med" len="med"/>
+                    </a:lnR>
+                    <a:lnT w="9525" cap="flat" cmpd="sng" algn="ctr">
+                      <a:solidFill>
+                        <a:srgbClr val="9E9E9E"/>
+                      </a:solidFill>
+                      <a:prstDash val="solid"/>
+                      <a:round/>
+                      <a:headEnd type="none" w="med" len="med"/>
+                      <a:tailEnd type="none" w="med" len="med"/>
+                    </a:lnT>
+                    <a:lnB w="9525" cap="flat" cmpd="sng" algn="ctr">
+                      <a:solidFill>
+                        <a:srgbClr val="9E9E9E"/>
+                      </a:solidFill>
+                      <a:prstDash val="solid"/>
+                      <a:round/>
+                      <a:headEnd type="none" w="med" len="med"/>
+                      <a:tailEnd type="none" w="med" len="med"/>
+                    </a:lnB>
+                  </a:tcPr>
+                </a:tc>
+                <a:tc>
+                  <a:txBody>
+                    <a:bodyPr/>
+                    <a:lstStyle/>
+                    <a:p>
+                      <a:pPr fontAlgn="ctr"/>
+                      <a:r>
+                        <a:rPr lang="ko-KR" altLang="en-US" sz="1500">
+                          <a:effectLst/>
+                        </a:rPr>
+                        <a:t> </a:t>
+                      </a:r>
+                    </a:p>
+                  </a:txBody>
+                  <a:tcPr marL="79202" marR="79202" marT="79202" marB="79202" anchor="ctr">
+                    <a:lnL w="9525" cap="flat" cmpd="sng" algn="ctr">
+                      <a:solidFill>
+                        <a:srgbClr val="9E9E9E"/>
+                      </a:solidFill>
+                      <a:prstDash val="solid"/>
+                      <a:round/>
+                      <a:headEnd type="none" w="med" len="med"/>
+                      <a:tailEnd type="none" w="med" len="med"/>
+                    </a:lnL>
+                    <a:lnR w="9525" cap="flat" cmpd="sng" algn="ctr">
+                      <a:solidFill>
+                        <a:srgbClr val="9E9E9E"/>
+                      </a:solidFill>
+                      <a:prstDash val="solid"/>
+                      <a:round/>
+                      <a:headEnd type="none" w="med" len="med"/>
+                      <a:tailEnd type="none" w="med" len="med"/>
+                    </a:lnR>
+                    <a:lnT w="9525" cap="flat" cmpd="sng" algn="ctr">
+                      <a:solidFill>
+                        <a:srgbClr val="9E9E9E"/>
+                      </a:solidFill>
+                      <a:prstDash val="solid"/>
+                      <a:round/>
+                      <a:headEnd type="none" w="med" len="med"/>
+                      <a:tailEnd type="none" w="med" len="med"/>
+                    </a:lnT>
+                    <a:lnB w="9525" cap="flat" cmpd="sng" algn="ctr">
+                      <a:solidFill>
+                        <a:srgbClr val="9E9E9E"/>
+                      </a:solidFill>
+                      <a:prstDash val="solid"/>
+                      <a:round/>
+                      <a:headEnd type="none" w="med" len="med"/>
+                      <a:tailEnd type="none" w="med" len="med"/>
+                    </a:lnB>
+                  </a:tcPr>
+                </a:tc>
+                <a:tc>
+                  <a:txBody>
+                    <a:bodyPr/>
+                    <a:lstStyle/>
+                    <a:p>
+                      <a:pPr fontAlgn="ctr"/>
+                      <a:r>
+                        <a:rPr lang="ko-KR" altLang="en-US" sz="1500">
+                          <a:effectLst/>
+                        </a:rPr>
+                        <a:t> </a:t>
+                      </a:r>
+                    </a:p>
+                  </a:txBody>
+                  <a:tcPr marL="79202" marR="79202" marT="79202" marB="79202" anchor="ctr">
+                    <a:lnL w="9525" cap="flat" cmpd="sng" algn="ctr">
+                      <a:solidFill>
+                        <a:srgbClr val="9E9E9E"/>
+                      </a:solidFill>
+                      <a:prstDash val="solid"/>
+                      <a:round/>
+                      <a:headEnd type="none" w="med" len="med"/>
+                      <a:tailEnd type="none" w="med" len="med"/>
+                    </a:lnL>
+                    <a:lnR w="9525" cap="flat" cmpd="sng" algn="ctr">
+                      <a:solidFill>
+                        <a:srgbClr val="9E9E9E"/>
+                      </a:solidFill>
+                      <a:prstDash val="solid"/>
+                      <a:round/>
+                      <a:headEnd type="none" w="med" len="med"/>
+                      <a:tailEnd type="none" w="med" len="med"/>
+                    </a:lnR>
+                    <a:lnT w="9525" cap="flat" cmpd="sng" algn="ctr">
+                      <a:solidFill>
+                        <a:srgbClr val="9E9E9E"/>
+                      </a:solidFill>
+                      <a:prstDash val="solid"/>
+                      <a:round/>
+                      <a:headEnd type="none" w="med" len="med"/>
+                      <a:tailEnd type="none" w="med" len="med"/>
+                    </a:lnT>
+                    <a:lnB w="9525" cap="flat" cmpd="sng" algn="ctr">
+                      <a:solidFill>
+                        <a:srgbClr val="9E9E9E"/>
+                      </a:solidFill>
+                      <a:prstDash val="solid"/>
+                      <a:round/>
+                      <a:headEnd type="none" w="med" len="med"/>
+                      <a:tailEnd type="none" w="med" len="med"/>
+                    </a:lnB>
+                  </a:tcPr>
+                </a:tc>
+                <a:tc>
+                  <a:txBody>
+                    <a:bodyPr/>
+                    <a:lstStyle/>
+                    <a:p>
+                      <a:pPr fontAlgn="ctr"/>
+                      <a:r>
+                        <a:rPr lang="ko-KR" altLang="en-US" sz="1500">
+                          <a:effectLst/>
+                        </a:rPr>
+                        <a:t> </a:t>
+                      </a:r>
+                    </a:p>
+                  </a:txBody>
+                  <a:tcPr marL="79202" marR="79202" marT="79202" marB="79202" anchor="ctr">
+                    <a:lnL w="9525" cap="flat" cmpd="sng" algn="ctr">
+                      <a:solidFill>
+                        <a:srgbClr val="9E9E9E"/>
+                      </a:solidFill>
+                      <a:prstDash val="solid"/>
+                      <a:round/>
+                      <a:headEnd type="none" w="med" len="med"/>
+                      <a:tailEnd type="none" w="med" len="med"/>
+                    </a:lnL>
+                    <a:lnR w="9525" cap="flat" cmpd="sng" algn="ctr">
+                      <a:solidFill>
+                        <a:srgbClr val="9E9E9E"/>
+                      </a:solidFill>
+                      <a:prstDash val="solid"/>
+                      <a:round/>
+                      <a:headEnd type="none" w="med" len="med"/>
+                      <a:tailEnd type="none" w="med" len="med"/>
+                    </a:lnR>
+                    <a:lnT w="9525" cap="flat" cmpd="sng" algn="ctr">
+                      <a:solidFill>
+                        <a:srgbClr val="9E9E9E"/>
+                      </a:solidFill>
+                      <a:prstDash val="solid"/>
+                      <a:round/>
+                      <a:headEnd type="none" w="med" len="med"/>
+                      <a:tailEnd type="none" w="med" len="med"/>
+                    </a:lnT>
+                    <a:lnB w="9525" cap="flat" cmpd="sng" algn="ctr">
+                      <a:solidFill>
+                        <a:srgbClr val="9E9E9E"/>
+                      </a:solidFill>
+                      <a:prstDash val="solid"/>
+                      <a:round/>
+                      <a:headEnd type="none" w="med" len="med"/>
+                      <a:tailEnd type="none" w="med" len="med"/>
+                    </a:lnB>
+                  </a:tcPr>
+                </a:tc>
+                <a:extLst>
+                  <a:ext uri="{0D108BD9-81ED-4DB2-BD59-A6C34878D82A}">
+                    <a16:rowId xmlns:a16="http://schemas.microsoft.com/office/drawing/2014/main" val="1294957644"/>
+                  </a:ext>
+                </a:extLst>
+              </a:tr>
+              <a:tr h="1822220">
+                <a:tc>
+                  <a:txBody>
+                    <a:bodyPr/>
+                    <a:lstStyle/>
+                    <a:p>
+                      <a:pPr lvl="0" algn="ctr" rtl="0" fontAlgn="ctr">
+                        <a:spcBef>
+                          <a:spcPts val="0"/>
+                        </a:spcBef>
+                        <a:spcAft>
+                          <a:spcPts val="0"/>
+                        </a:spcAft>
+                      </a:pPr>
+                      <a:r>
+                        <a:rPr lang="ko-KR" altLang="en-US" sz="1400" b="1" i="0" u="none" strike="noStrike" dirty="0">
+                          <a:solidFill>
+                            <a:srgbClr val="000000"/>
+                          </a:solidFill>
+                          <a:effectLst/>
+                          <a:latin typeface="Arial" panose="020B0604020202020204" pitchFamily="34" charset="0"/>
+                        </a:rPr>
+                        <a:t>시나리오</a:t>
+                      </a:r>
+                      <a:endParaRPr lang="ko-KR" altLang="en-US" sz="2800" dirty="0">
+                        <a:effectLst/>
+                      </a:endParaRPr>
+                    </a:p>
+                  </a:txBody>
+                  <a:tcPr marL="79202" marR="79202" marT="79202" marB="79202" anchor="ctr">
+                    <a:lnL w="9525" cap="flat" cmpd="sng" algn="ctr">
+                      <a:solidFill>
+                        <a:srgbClr val="9E9E9E"/>
+                      </a:solidFill>
+                      <a:prstDash val="solid"/>
+                      <a:round/>
+                      <a:headEnd type="none" w="med" len="med"/>
+                      <a:tailEnd type="none" w="med" len="med"/>
+                    </a:lnL>
+                    <a:lnR w="9525" cap="flat" cmpd="sng" algn="ctr">
+                      <a:solidFill>
+                        <a:srgbClr val="9E9E9E"/>
+                      </a:solidFill>
+                      <a:prstDash val="solid"/>
+                      <a:round/>
+                      <a:headEnd type="none" w="med" len="med"/>
+                      <a:tailEnd type="none" w="med" len="med"/>
+                    </a:lnR>
+                    <a:lnT w="9525" cap="flat" cmpd="sng" algn="ctr">
+                      <a:solidFill>
+                        <a:srgbClr val="9E9E9E"/>
+                      </a:solidFill>
+                      <a:prstDash val="solid"/>
+                      <a:round/>
+                      <a:headEnd type="none" w="med" len="med"/>
+                      <a:tailEnd type="none" w="med" len="med"/>
+                    </a:lnT>
+                    <a:lnB w="9525" cap="flat" cmpd="sng" algn="ctr">
+                      <a:solidFill>
+                        <a:srgbClr val="9E9E9E"/>
+                      </a:solidFill>
+                      <a:prstDash val="solid"/>
+                      <a:round/>
+                      <a:headEnd type="none" w="med" len="med"/>
+                      <a:tailEnd type="none" w="med" len="med"/>
+                    </a:lnB>
+                  </a:tcPr>
+                </a:tc>
+                <a:tc>
+                  <a:txBody>
+                    <a:bodyPr/>
+                    <a:lstStyle/>
+                    <a:p>
+                      <a:pPr lvl="0" algn="ctr" rtl="0" fontAlgn="ctr">
+                        <a:spcBef>
+                          <a:spcPts val="0"/>
+                        </a:spcBef>
+                        <a:spcAft>
+                          <a:spcPts val="0"/>
+                        </a:spcAft>
+                      </a:pPr>
+                      <a:r>
+                        <a:rPr lang="ko-KR" altLang="en-US" sz="1100" b="0" i="0" u="none" strike="noStrike" dirty="0">
+                          <a:solidFill>
+                            <a:srgbClr val="000000"/>
+                          </a:solidFill>
+                          <a:effectLst/>
+                          <a:latin typeface="Arial" panose="020B0604020202020204" pitchFamily="34" charset="0"/>
+                        </a:rPr>
+                        <a:t>요즘 회사에서 피로에 </a:t>
+                      </a:r>
+                      <a:r>
+                        <a:rPr lang="ko-KR" altLang="en-US" sz="1100" b="0" i="0" u="none" strike="noStrike" dirty="0" err="1">
+                          <a:solidFill>
+                            <a:srgbClr val="000000"/>
+                          </a:solidFill>
+                          <a:effectLst/>
+                          <a:latin typeface="Arial" panose="020B0604020202020204" pitchFamily="34" charset="0"/>
+                        </a:rPr>
+                        <a:t>쩔어</a:t>
+                      </a:r>
+                      <a:r>
+                        <a:rPr lang="ko-KR" altLang="en-US" sz="1100" b="0" i="0" u="none" strike="noStrike" dirty="0">
+                          <a:solidFill>
+                            <a:srgbClr val="000000"/>
+                          </a:solidFill>
+                          <a:effectLst/>
+                          <a:latin typeface="Arial" panose="020B0604020202020204" pitchFamily="34" charset="0"/>
+                        </a:rPr>
+                        <a:t> 있다가 집에 가서 간만에 문화 생활을 하고 싶다는 생각이 번쩍 드네</a:t>
+                      </a:r>
+                      <a:r>
+                        <a:rPr lang="en-US" altLang="ko-KR" sz="1100" b="0" i="0" u="none" strike="noStrike" dirty="0">
+                          <a:solidFill>
+                            <a:srgbClr val="000000"/>
+                          </a:solidFill>
+                          <a:effectLst/>
+                          <a:latin typeface="Arial" panose="020B0604020202020204" pitchFamily="34" charset="0"/>
+                        </a:rPr>
+                        <a:t>? </a:t>
+                      </a:r>
+                      <a:endParaRPr lang="ko-KR" altLang="en-US" sz="2800" dirty="0">
+                        <a:effectLst/>
+                      </a:endParaRPr>
+                    </a:p>
+                  </a:txBody>
+                  <a:tcPr marL="79202" marR="79202" marT="79202" marB="79202" anchor="ctr">
+                    <a:lnL w="9525" cap="flat" cmpd="sng" algn="ctr">
+                      <a:solidFill>
+                        <a:srgbClr val="9E9E9E"/>
+                      </a:solidFill>
+                      <a:prstDash val="solid"/>
+                      <a:round/>
+                      <a:headEnd type="none" w="med" len="med"/>
+                      <a:tailEnd type="none" w="med" len="med"/>
+                    </a:lnL>
+                    <a:lnR w="9525" cap="flat" cmpd="sng" algn="ctr">
+                      <a:solidFill>
+                        <a:srgbClr val="9E9E9E"/>
+                      </a:solidFill>
+                      <a:prstDash val="solid"/>
+                      <a:round/>
+                      <a:headEnd type="none" w="med" len="med"/>
+                      <a:tailEnd type="none" w="med" len="med"/>
+                    </a:lnR>
+                    <a:lnT w="9525" cap="flat" cmpd="sng" algn="ctr">
+                      <a:solidFill>
+                        <a:srgbClr val="9E9E9E"/>
+                      </a:solidFill>
+                      <a:prstDash val="solid"/>
+                      <a:round/>
+                      <a:headEnd type="none" w="med" len="med"/>
+                      <a:tailEnd type="none" w="med" len="med"/>
+                    </a:lnT>
+                    <a:lnB w="9525" cap="flat" cmpd="sng" algn="ctr">
+                      <a:solidFill>
+                        <a:srgbClr val="9E9E9E"/>
+                      </a:solidFill>
+                      <a:prstDash val="solid"/>
+                      <a:round/>
+                      <a:headEnd type="none" w="med" len="med"/>
+                      <a:tailEnd type="none" w="med" len="med"/>
+                    </a:lnB>
+                  </a:tcPr>
+                </a:tc>
+                <a:tc>
+                  <a:txBody>
+                    <a:bodyPr/>
+                    <a:lstStyle/>
+                    <a:p>
+                      <a:pPr lvl="0" algn="ctr" rtl="0" fontAlgn="ctr">
+                        <a:spcBef>
+                          <a:spcPts val="0"/>
+                        </a:spcBef>
+                        <a:spcAft>
+                          <a:spcPts val="0"/>
+                        </a:spcAft>
+                      </a:pPr>
+                      <a:r>
+                        <a:rPr lang="ko-KR" altLang="en-US" sz="1100" b="0" i="0" u="none" strike="noStrike" dirty="0">
+                          <a:solidFill>
+                            <a:srgbClr val="000000"/>
+                          </a:solidFill>
+                          <a:effectLst/>
+                          <a:latin typeface="Arial" panose="020B0604020202020204" pitchFamily="34" charset="0"/>
+                        </a:rPr>
+                        <a:t>환영 페이지를 구경하고 로그인을 한다</a:t>
+                      </a:r>
+                      <a:r>
+                        <a:rPr lang="en-US" altLang="ko-KR" sz="1100" b="0" i="0" u="none" strike="noStrike" dirty="0">
+                          <a:solidFill>
+                            <a:srgbClr val="000000"/>
+                          </a:solidFill>
+                          <a:effectLst/>
+                          <a:latin typeface="Arial" panose="020B0604020202020204" pitchFamily="34" charset="0"/>
+                        </a:rPr>
+                        <a:t>.</a:t>
+                      </a:r>
+                      <a:endParaRPr lang="ko-KR" altLang="en-US" sz="2800" dirty="0">
+                        <a:effectLst/>
+                      </a:endParaRPr>
+                    </a:p>
+                  </a:txBody>
+                  <a:tcPr marL="79202" marR="79202" marT="79202" marB="79202" anchor="ctr">
+                    <a:lnL w="9525" cap="flat" cmpd="sng" algn="ctr">
+                      <a:solidFill>
+                        <a:srgbClr val="9E9E9E"/>
+                      </a:solidFill>
+                      <a:prstDash val="solid"/>
+                      <a:round/>
+                      <a:headEnd type="none" w="med" len="med"/>
+                      <a:tailEnd type="none" w="med" len="med"/>
+                    </a:lnL>
+                    <a:lnR w="9525" cap="flat" cmpd="sng" algn="ctr">
+                      <a:solidFill>
+                        <a:srgbClr val="9E9E9E"/>
+                      </a:solidFill>
+                      <a:prstDash val="solid"/>
+                      <a:round/>
+                      <a:headEnd type="none" w="med" len="med"/>
+                      <a:tailEnd type="none" w="med" len="med"/>
+                    </a:lnR>
+                    <a:lnT w="9525" cap="flat" cmpd="sng" algn="ctr">
+                      <a:solidFill>
+                        <a:srgbClr val="9E9E9E"/>
+                      </a:solidFill>
+                      <a:prstDash val="solid"/>
+                      <a:round/>
+                      <a:headEnd type="none" w="med" len="med"/>
+                      <a:tailEnd type="none" w="med" len="med"/>
+                    </a:lnT>
+                    <a:lnB w="9525" cap="flat" cmpd="sng" algn="ctr">
+                      <a:solidFill>
+                        <a:srgbClr val="9E9E9E"/>
+                      </a:solidFill>
+                      <a:prstDash val="solid"/>
+                      <a:round/>
+                      <a:headEnd type="none" w="med" len="med"/>
+                      <a:tailEnd type="none" w="med" len="med"/>
+                    </a:lnB>
+                  </a:tcPr>
+                </a:tc>
+                <a:tc>
+                  <a:txBody>
+                    <a:bodyPr/>
+                    <a:lstStyle/>
+                    <a:p>
+                      <a:pPr lvl="0" algn="ctr" rtl="0" fontAlgn="ctr">
+                        <a:spcBef>
+                          <a:spcPts val="0"/>
+                        </a:spcBef>
+                        <a:spcAft>
+                          <a:spcPts val="0"/>
+                        </a:spcAft>
+                      </a:pPr>
+                      <a:r>
+                        <a:rPr lang="ko-KR" altLang="en-US" sz="1100" b="0" i="0" u="none" strike="noStrike">
+                          <a:solidFill>
+                            <a:srgbClr val="000000"/>
+                          </a:solidFill>
+                          <a:effectLst/>
+                          <a:latin typeface="Arial" panose="020B0604020202020204" pitchFamily="34" charset="0"/>
+                        </a:rPr>
+                        <a:t>흥미로운 컨텐츠로 들어가서 연주자 정보와 프로그램을 파악하여 가장 마음에 드는</a:t>
+                      </a:r>
+                      <a:endParaRPr lang="ko-KR" altLang="en-US" sz="2800">
+                        <a:effectLst/>
+                      </a:endParaRPr>
+                    </a:p>
+                    <a:p>
+                      <a:pPr lvl="0" algn="ctr" rtl="0" fontAlgn="ctr">
+                        <a:spcBef>
+                          <a:spcPts val="0"/>
+                        </a:spcBef>
+                        <a:spcAft>
+                          <a:spcPts val="0"/>
+                        </a:spcAft>
+                      </a:pPr>
+                      <a:r>
+                        <a:rPr lang="ko-KR" altLang="en-US" sz="1100" b="0" i="0" u="none" strike="noStrike">
+                          <a:solidFill>
+                            <a:srgbClr val="000000"/>
+                          </a:solidFill>
+                          <a:effectLst/>
+                          <a:latin typeface="Arial" panose="020B0604020202020204" pitchFamily="34" charset="0"/>
+                        </a:rPr>
+                        <a:t>공연을 예약 할거야</a:t>
+                      </a:r>
+                      <a:r>
+                        <a:rPr lang="en-US" altLang="ko-KR" sz="1100" b="0" i="0" u="none" strike="noStrike">
+                          <a:solidFill>
+                            <a:srgbClr val="000000"/>
+                          </a:solidFill>
+                          <a:effectLst/>
+                          <a:latin typeface="Arial" panose="020B0604020202020204" pitchFamily="34" charset="0"/>
+                        </a:rPr>
+                        <a:t>!</a:t>
+                      </a:r>
+                      <a:endParaRPr lang="ko-KR" altLang="en-US" sz="2800">
+                        <a:effectLst/>
+                      </a:endParaRPr>
+                    </a:p>
+                  </a:txBody>
+                  <a:tcPr marL="79202" marR="79202" marT="79202" marB="79202" anchor="ctr">
+                    <a:lnL w="9525" cap="flat" cmpd="sng" algn="ctr">
+                      <a:solidFill>
+                        <a:srgbClr val="9E9E9E"/>
+                      </a:solidFill>
+                      <a:prstDash val="solid"/>
+                      <a:round/>
+                      <a:headEnd type="none" w="med" len="med"/>
+                      <a:tailEnd type="none" w="med" len="med"/>
+                    </a:lnL>
+                    <a:lnR w="9525" cap="flat" cmpd="sng" algn="ctr">
+                      <a:solidFill>
+                        <a:srgbClr val="9E9E9E"/>
+                      </a:solidFill>
+                      <a:prstDash val="solid"/>
+                      <a:round/>
+                      <a:headEnd type="none" w="med" len="med"/>
+                      <a:tailEnd type="none" w="med" len="med"/>
+                    </a:lnR>
+                    <a:lnT w="9525" cap="flat" cmpd="sng" algn="ctr">
+                      <a:solidFill>
+                        <a:srgbClr val="9E9E9E"/>
+                      </a:solidFill>
+                      <a:prstDash val="solid"/>
+                      <a:round/>
+                      <a:headEnd type="none" w="med" len="med"/>
+                      <a:tailEnd type="none" w="med" len="med"/>
+                    </a:lnT>
+                    <a:lnB w="9525" cap="flat" cmpd="sng" algn="ctr">
+                      <a:solidFill>
+                        <a:srgbClr val="9E9E9E"/>
+                      </a:solidFill>
+                      <a:prstDash val="solid"/>
+                      <a:round/>
+                      <a:headEnd type="none" w="med" len="med"/>
+                      <a:tailEnd type="none" w="med" len="med"/>
+                    </a:lnB>
+                  </a:tcPr>
+                </a:tc>
+                <a:tc>
+                  <a:txBody>
+                    <a:bodyPr/>
+                    <a:lstStyle/>
+                    <a:p>
+                      <a:pPr lvl="0" algn="ctr" rtl="0" fontAlgn="ctr">
+                        <a:spcBef>
+                          <a:spcPts val="0"/>
+                        </a:spcBef>
+                        <a:spcAft>
+                          <a:spcPts val="0"/>
+                        </a:spcAft>
+                      </a:pPr>
+                      <a:r>
+                        <a:rPr lang="ko-KR" altLang="en-US" sz="1100" b="0" i="0" u="none" strike="noStrike">
+                          <a:solidFill>
+                            <a:srgbClr val="000000"/>
+                          </a:solidFill>
+                          <a:effectLst/>
+                          <a:latin typeface="Arial" panose="020B0604020202020204" pitchFamily="34" charset="0"/>
+                        </a:rPr>
+                        <a:t>대표 곡 들어보고 연주자 정보 확인하고 제일 마음에 드는 공연 하나를</a:t>
+                      </a:r>
+                      <a:endParaRPr lang="ko-KR" altLang="en-US" sz="2800">
+                        <a:effectLst/>
+                      </a:endParaRPr>
+                    </a:p>
+                    <a:p>
+                      <a:pPr lvl="0" algn="ctr" rtl="0" fontAlgn="ctr">
+                        <a:spcBef>
+                          <a:spcPts val="0"/>
+                        </a:spcBef>
+                        <a:spcAft>
+                          <a:spcPts val="0"/>
+                        </a:spcAft>
+                      </a:pPr>
+                      <a:r>
+                        <a:rPr lang="ko-KR" altLang="en-US" sz="1100" b="0" i="0" u="none" strike="noStrike">
+                          <a:solidFill>
+                            <a:srgbClr val="000000"/>
+                          </a:solidFill>
+                          <a:effectLst/>
+                          <a:latin typeface="Arial" panose="020B0604020202020204" pitchFamily="34" charset="0"/>
+                        </a:rPr>
+                        <a:t>골라 야지</a:t>
+                      </a:r>
+                      <a:r>
+                        <a:rPr lang="en-US" altLang="ko-KR" sz="1100" b="0" i="0" u="none" strike="noStrike">
+                          <a:solidFill>
+                            <a:srgbClr val="000000"/>
+                          </a:solidFill>
+                          <a:effectLst/>
+                          <a:latin typeface="Arial" panose="020B0604020202020204" pitchFamily="34" charset="0"/>
+                        </a:rPr>
+                        <a:t>.</a:t>
+                      </a:r>
+                      <a:endParaRPr lang="ko-KR" altLang="en-US" sz="2800">
+                        <a:effectLst/>
+                      </a:endParaRPr>
+                    </a:p>
+                  </a:txBody>
+                  <a:tcPr marL="79202" marR="79202" marT="79202" marB="79202" anchor="ctr">
+                    <a:lnL w="9525" cap="flat" cmpd="sng" algn="ctr">
+                      <a:solidFill>
+                        <a:srgbClr val="9E9E9E"/>
+                      </a:solidFill>
+                      <a:prstDash val="solid"/>
+                      <a:round/>
+                      <a:headEnd type="none" w="med" len="med"/>
+                      <a:tailEnd type="none" w="med" len="med"/>
+                    </a:lnL>
+                    <a:lnR w="9525" cap="flat" cmpd="sng" algn="ctr">
+                      <a:solidFill>
+                        <a:srgbClr val="9E9E9E"/>
+                      </a:solidFill>
+                      <a:prstDash val="solid"/>
+                      <a:round/>
+                      <a:headEnd type="none" w="med" len="med"/>
+                      <a:tailEnd type="none" w="med" len="med"/>
+                    </a:lnR>
+                    <a:lnT w="9525" cap="flat" cmpd="sng" algn="ctr">
+                      <a:solidFill>
+                        <a:srgbClr val="9E9E9E"/>
+                      </a:solidFill>
+                      <a:prstDash val="solid"/>
+                      <a:round/>
+                      <a:headEnd type="none" w="med" len="med"/>
+                      <a:tailEnd type="none" w="med" len="med"/>
+                    </a:lnT>
+                    <a:lnB w="9525" cap="flat" cmpd="sng" algn="ctr">
+                      <a:solidFill>
+                        <a:srgbClr val="9E9E9E"/>
+                      </a:solidFill>
+                      <a:prstDash val="solid"/>
+                      <a:round/>
+                      <a:headEnd type="none" w="med" len="med"/>
+                      <a:tailEnd type="none" w="med" len="med"/>
+                    </a:lnB>
+                  </a:tcPr>
+                </a:tc>
+                <a:tc>
+                  <a:txBody>
+                    <a:bodyPr/>
+                    <a:lstStyle/>
+                    <a:p>
+                      <a:pPr lvl="0" algn="ctr" rtl="0" fontAlgn="ctr">
+                        <a:spcBef>
+                          <a:spcPts val="0"/>
+                        </a:spcBef>
+                        <a:spcAft>
+                          <a:spcPts val="0"/>
+                        </a:spcAft>
+                      </a:pPr>
+                      <a:r>
+                        <a:rPr lang="ko-KR" altLang="en-US" sz="1100" b="0" i="0" u="none" strike="noStrike">
+                          <a:solidFill>
+                            <a:srgbClr val="000000"/>
+                          </a:solidFill>
+                          <a:effectLst/>
+                          <a:latin typeface="Arial" panose="020B0604020202020204" pitchFamily="34" charset="0"/>
+                        </a:rPr>
+                        <a:t>공연 하나를 드디어 골랐다</a:t>
+                      </a:r>
+                      <a:r>
+                        <a:rPr lang="en-US" altLang="ko-KR" sz="1100" b="0" i="0" u="none" strike="noStrike">
+                          <a:solidFill>
+                            <a:srgbClr val="000000"/>
+                          </a:solidFill>
+                          <a:effectLst/>
+                          <a:latin typeface="Arial" panose="020B0604020202020204" pitchFamily="34" charset="0"/>
+                        </a:rPr>
+                        <a:t>! </a:t>
+                      </a:r>
+                      <a:r>
+                        <a:rPr lang="ko-KR" altLang="en-US" sz="1100" b="0" i="0" u="none" strike="noStrike">
+                          <a:solidFill>
+                            <a:srgbClr val="000000"/>
+                          </a:solidFill>
+                          <a:effectLst/>
+                          <a:latin typeface="Arial" panose="020B0604020202020204" pitchFamily="34" charset="0"/>
+                        </a:rPr>
+                        <a:t>어서 예매해야지</a:t>
+                      </a:r>
+                      <a:r>
+                        <a:rPr lang="en-US" altLang="ko-KR" sz="1100" b="0" i="0" u="none" strike="noStrike">
+                          <a:solidFill>
+                            <a:srgbClr val="000000"/>
+                          </a:solidFill>
+                          <a:effectLst/>
+                          <a:latin typeface="Arial" panose="020B0604020202020204" pitchFamily="34" charset="0"/>
+                        </a:rPr>
+                        <a:t>~ </a:t>
+                      </a:r>
+                      <a:r>
+                        <a:rPr lang="ko-KR" altLang="en-US" sz="1100" b="0" i="0" u="none" strike="noStrike">
+                          <a:solidFill>
+                            <a:srgbClr val="000000"/>
+                          </a:solidFill>
+                          <a:effectLst/>
+                          <a:latin typeface="Arial" panose="020B0604020202020204" pitchFamily="34" charset="0"/>
+                        </a:rPr>
+                        <a:t>공연을 기대하며 또 버텨보자 화이팅 화이팅</a:t>
+                      </a:r>
+                      <a:r>
+                        <a:rPr lang="en-US" altLang="ko-KR" sz="1100" b="0" i="0" u="none" strike="noStrike">
+                          <a:solidFill>
+                            <a:srgbClr val="000000"/>
+                          </a:solidFill>
+                          <a:effectLst/>
+                          <a:latin typeface="Arial" panose="020B0604020202020204" pitchFamily="34" charset="0"/>
+                        </a:rPr>
+                        <a:t>~</a:t>
+                      </a:r>
+                      <a:endParaRPr lang="ko-KR" altLang="en-US" sz="2800">
+                        <a:effectLst/>
+                      </a:endParaRPr>
+                    </a:p>
+                  </a:txBody>
+                  <a:tcPr marL="79202" marR="79202" marT="79202" marB="79202" anchor="ctr">
+                    <a:lnL w="9525" cap="flat" cmpd="sng" algn="ctr">
+                      <a:solidFill>
+                        <a:srgbClr val="9E9E9E"/>
+                      </a:solidFill>
+                      <a:prstDash val="solid"/>
+                      <a:round/>
+                      <a:headEnd type="none" w="med" len="med"/>
+                      <a:tailEnd type="none" w="med" len="med"/>
+                    </a:lnL>
+                    <a:lnR w="9525" cap="flat" cmpd="sng" algn="ctr">
+                      <a:solidFill>
+                        <a:srgbClr val="9E9E9E"/>
+                      </a:solidFill>
+                      <a:prstDash val="solid"/>
+                      <a:round/>
+                      <a:headEnd type="none" w="med" len="med"/>
+                      <a:tailEnd type="none" w="med" len="med"/>
+                    </a:lnR>
+                    <a:lnT w="9525" cap="flat" cmpd="sng" algn="ctr">
+                      <a:solidFill>
+                        <a:srgbClr val="9E9E9E"/>
+                      </a:solidFill>
+                      <a:prstDash val="solid"/>
+                      <a:round/>
+                      <a:headEnd type="none" w="med" len="med"/>
+                      <a:tailEnd type="none" w="med" len="med"/>
+                    </a:lnT>
+                    <a:lnB w="9525" cap="flat" cmpd="sng" algn="ctr">
+                      <a:solidFill>
+                        <a:srgbClr val="9E9E9E"/>
+                      </a:solidFill>
+                      <a:prstDash val="solid"/>
+                      <a:round/>
+                      <a:headEnd type="none" w="med" len="med"/>
+                      <a:tailEnd type="none" w="med" len="med"/>
+                    </a:lnB>
+                  </a:tcPr>
+                </a:tc>
+                <a:tc>
+                  <a:txBody>
+                    <a:bodyPr/>
+                    <a:lstStyle/>
+                    <a:p>
+                      <a:pPr lvl="0" algn="ctr" rtl="0" fontAlgn="ctr">
+                        <a:spcBef>
+                          <a:spcPts val="0"/>
+                        </a:spcBef>
+                        <a:spcAft>
+                          <a:spcPts val="0"/>
+                        </a:spcAft>
+                      </a:pPr>
+                      <a:r>
+                        <a:rPr lang="ko-KR" altLang="en-US" sz="1100" b="0" i="0" u="none" strike="noStrike" dirty="0">
+                          <a:solidFill>
+                            <a:srgbClr val="000000"/>
+                          </a:solidFill>
+                          <a:effectLst/>
+                          <a:latin typeface="Arial" panose="020B0604020202020204" pitchFamily="34" charset="0"/>
+                        </a:rPr>
+                        <a:t>공연을 위한 지출은 아깝지가 않아</a:t>
+                      </a:r>
+                      <a:r>
+                        <a:rPr lang="en-US" altLang="ko-KR" sz="1100" b="0" i="0" u="none" strike="noStrike" dirty="0">
+                          <a:solidFill>
+                            <a:srgbClr val="000000"/>
+                          </a:solidFill>
+                          <a:effectLst/>
+                          <a:latin typeface="Arial" panose="020B0604020202020204" pitchFamily="34" charset="0"/>
+                        </a:rPr>
+                        <a:t>! </a:t>
+                      </a:r>
+                      <a:r>
+                        <a:rPr lang="ko-KR" altLang="en-US" sz="1100" b="0" i="0" u="none" strike="noStrike" dirty="0">
+                          <a:solidFill>
+                            <a:srgbClr val="000000"/>
+                          </a:solidFill>
+                          <a:effectLst/>
+                          <a:latin typeface="Arial" panose="020B0604020202020204" pitchFamily="34" charset="0"/>
+                        </a:rPr>
+                        <a:t>한번씩 </a:t>
+                      </a:r>
+                      <a:r>
+                        <a:rPr lang="ko-KR" altLang="en-US" sz="1100" b="0" i="0" u="none" strike="noStrike" dirty="0" err="1">
+                          <a:solidFill>
+                            <a:srgbClr val="000000"/>
+                          </a:solidFill>
+                          <a:effectLst/>
+                          <a:latin typeface="Arial" panose="020B0604020202020204" pitchFamily="34" charset="0"/>
+                        </a:rPr>
+                        <a:t>힐링하는거니까</a:t>
+                      </a:r>
+                      <a:r>
+                        <a:rPr lang="en-US" altLang="ko-KR" sz="1100" b="0" i="0" u="none" strike="noStrike" dirty="0">
+                          <a:solidFill>
+                            <a:srgbClr val="000000"/>
+                          </a:solidFill>
+                          <a:effectLst/>
+                          <a:latin typeface="Arial" panose="020B0604020202020204" pitchFamily="34" charset="0"/>
+                        </a:rPr>
+                        <a:t>! </a:t>
+                      </a:r>
+                      <a:r>
+                        <a:rPr lang="ko-KR" altLang="en-US" sz="1100" b="0" i="0" u="none" strike="noStrike" dirty="0">
+                          <a:solidFill>
+                            <a:srgbClr val="000000"/>
+                          </a:solidFill>
+                          <a:effectLst/>
+                          <a:latin typeface="Arial" panose="020B0604020202020204" pitchFamily="34" charset="0"/>
+                        </a:rPr>
+                        <a:t>더 열심히 일하자 </a:t>
+                      </a:r>
+                      <a:r>
+                        <a:rPr lang="ko-KR" altLang="en-US" sz="1100" b="0" i="0" u="none" strike="noStrike" dirty="0" err="1">
+                          <a:solidFill>
+                            <a:srgbClr val="000000"/>
+                          </a:solidFill>
+                          <a:effectLst/>
+                          <a:latin typeface="Arial" panose="020B0604020202020204" pitchFamily="34" charset="0"/>
+                        </a:rPr>
+                        <a:t>아자</a:t>
+                      </a:r>
+                      <a:r>
+                        <a:rPr lang="ko-KR" altLang="en-US" sz="1100" b="0" i="0" u="none" strike="noStrike" dirty="0">
+                          <a:solidFill>
+                            <a:srgbClr val="000000"/>
+                          </a:solidFill>
+                          <a:effectLst/>
+                          <a:latin typeface="Arial" panose="020B0604020202020204" pitchFamily="34" charset="0"/>
+                        </a:rPr>
+                        <a:t> </a:t>
+                      </a:r>
+                      <a:r>
+                        <a:rPr lang="ko-KR" altLang="en-US" sz="1100" b="0" i="0" u="none" strike="noStrike" dirty="0" err="1">
+                          <a:solidFill>
+                            <a:srgbClr val="000000"/>
+                          </a:solidFill>
+                          <a:effectLst/>
+                          <a:latin typeface="Arial" panose="020B0604020202020204" pitchFamily="34" charset="0"/>
+                        </a:rPr>
+                        <a:t>아자</a:t>
+                      </a:r>
+                      <a:r>
+                        <a:rPr lang="en-US" altLang="ko-KR" sz="1100" b="0" i="0" u="none" strike="noStrike" dirty="0">
+                          <a:solidFill>
+                            <a:srgbClr val="000000"/>
+                          </a:solidFill>
+                          <a:effectLst/>
+                          <a:latin typeface="Arial" panose="020B0604020202020204" pitchFamily="34" charset="0"/>
+                        </a:rPr>
+                        <a:t>~</a:t>
+                      </a:r>
+                      <a:endParaRPr lang="ko-KR" altLang="en-US" sz="2800" dirty="0">
+                        <a:effectLst/>
+                      </a:endParaRPr>
+                    </a:p>
+                  </a:txBody>
+                  <a:tcPr marL="79202" marR="79202" marT="79202" marB="79202" anchor="ctr">
+                    <a:lnL w="9525" cap="flat" cmpd="sng" algn="ctr">
+                      <a:solidFill>
+                        <a:srgbClr val="9E9E9E"/>
+                      </a:solidFill>
+                      <a:prstDash val="solid"/>
+                      <a:round/>
+                      <a:headEnd type="none" w="med" len="med"/>
+                      <a:tailEnd type="none" w="med" len="med"/>
+                    </a:lnL>
+                    <a:lnR w="9525" cap="flat" cmpd="sng" algn="ctr">
+                      <a:solidFill>
+                        <a:srgbClr val="9E9E9E"/>
+                      </a:solidFill>
+                      <a:prstDash val="solid"/>
+                      <a:round/>
+                      <a:headEnd type="none" w="med" len="med"/>
+                      <a:tailEnd type="none" w="med" len="med"/>
+                    </a:lnR>
+                    <a:lnT w="9525" cap="flat" cmpd="sng" algn="ctr">
+                      <a:solidFill>
+                        <a:srgbClr val="9E9E9E"/>
+                      </a:solidFill>
+                      <a:prstDash val="solid"/>
+                      <a:round/>
+                      <a:headEnd type="none" w="med" len="med"/>
+                      <a:tailEnd type="none" w="med" len="med"/>
+                    </a:lnT>
+                    <a:lnB w="9525" cap="flat" cmpd="sng" algn="ctr">
+                      <a:solidFill>
+                        <a:srgbClr val="9E9E9E"/>
+                      </a:solidFill>
+                      <a:prstDash val="solid"/>
+                      <a:round/>
+                      <a:headEnd type="none" w="med" len="med"/>
+                      <a:tailEnd type="none" w="med" len="med"/>
+                    </a:lnB>
+                  </a:tcPr>
+                </a:tc>
+                <a:tc>
+                  <a:txBody>
+                    <a:bodyPr/>
+                    <a:lstStyle/>
+                    <a:p>
+                      <a:pPr lvl="0" algn="ctr" rtl="0" fontAlgn="ctr">
+                        <a:spcBef>
+                          <a:spcPts val="0"/>
+                        </a:spcBef>
+                        <a:spcAft>
+                          <a:spcPts val="0"/>
+                        </a:spcAft>
+                      </a:pPr>
+                      <a:r>
+                        <a:rPr lang="ko-KR" altLang="en-US" sz="1100" b="0" i="0" u="none" strike="noStrike" dirty="0">
+                          <a:solidFill>
+                            <a:srgbClr val="000000"/>
+                          </a:solidFill>
+                          <a:effectLst/>
+                          <a:latin typeface="Arial" panose="020B0604020202020204" pitchFamily="34" charset="0"/>
+                        </a:rPr>
+                        <a:t>오시는 길 설명이 </a:t>
+                      </a:r>
+                      <a:r>
+                        <a:rPr lang="en-US" altLang="ko-KR" sz="1100" b="0" i="0" u="none" strike="noStrike" dirty="0">
+                          <a:solidFill>
+                            <a:srgbClr val="000000"/>
+                          </a:solidFill>
+                          <a:effectLst/>
+                          <a:latin typeface="Arial" panose="020B0604020202020204" pitchFamily="34" charset="0"/>
+                        </a:rPr>
+                        <a:t>Invitation </a:t>
+                      </a:r>
+                      <a:r>
+                        <a:rPr lang="ko-KR" altLang="en-US" sz="1100" b="0" i="0" u="none" strike="noStrike" dirty="0">
+                          <a:solidFill>
+                            <a:srgbClr val="000000"/>
+                          </a:solidFill>
+                          <a:effectLst/>
+                          <a:latin typeface="Arial" panose="020B0604020202020204" pitchFamily="34" charset="0"/>
+                        </a:rPr>
+                        <a:t>카드 안에 예쁘게 입력되어 있고 되게 자세히 안내해줘서 대접받는 </a:t>
+                      </a:r>
+                      <a:r>
+                        <a:rPr lang="ko-KR" altLang="en-US" sz="1100" b="0" i="0" u="none" strike="noStrike" dirty="0" err="1">
+                          <a:solidFill>
+                            <a:srgbClr val="000000"/>
+                          </a:solidFill>
+                          <a:effectLst/>
+                          <a:latin typeface="Arial" panose="020B0604020202020204" pitchFamily="34" charset="0"/>
+                        </a:rPr>
+                        <a:t>기분인걸</a:t>
+                      </a:r>
+                      <a:r>
+                        <a:rPr lang="en-US" altLang="ko-KR" sz="1100" b="0" i="0" u="none" strike="noStrike" dirty="0">
+                          <a:solidFill>
+                            <a:srgbClr val="000000"/>
+                          </a:solidFill>
+                          <a:effectLst/>
+                          <a:latin typeface="Arial" panose="020B0604020202020204" pitchFamily="34" charset="0"/>
+                        </a:rPr>
+                        <a:t>!</a:t>
+                      </a:r>
+                      <a:endParaRPr lang="ko-KR" altLang="en-US" sz="2800" dirty="0">
+                        <a:effectLst/>
+                      </a:endParaRPr>
+                    </a:p>
+                  </a:txBody>
+                  <a:tcPr marL="79202" marR="79202" marT="79202" marB="79202" anchor="ctr">
+                    <a:lnL w="9525" cap="flat" cmpd="sng" algn="ctr">
+                      <a:solidFill>
+                        <a:srgbClr val="9E9E9E"/>
+                      </a:solidFill>
+                      <a:prstDash val="solid"/>
+                      <a:round/>
+                      <a:headEnd type="none" w="med" len="med"/>
+                      <a:tailEnd type="none" w="med" len="med"/>
+                    </a:lnL>
+                    <a:lnR w="9525" cap="flat" cmpd="sng" algn="ctr">
+                      <a:solidFill>
+                        <a:srgbClr val="9E9E9E"/>
+                      </a:solidFill>
+                      <a:prstDash val="solid"/>
+                      <a:round/>
+                      <a:headEnd type="none" w="med" len="med"/>
+                      <a:tailEnd type="none" w="med" len="med"/>
+                    </a:lnR>
+                    <a:lnT w="9525" cap="flat" cmpd="sng" algn="ctr">
+                      <a:solidFill>
+                        <a:srgbClr val="9E9E9E"/>
+                      </a:solidFill>
+                      <a:prstDash val="solid"/>
+                      <a:round/>
+                      <a:headEnd type="none" w="med" len="med"/>
+                      <a:tailEnd type="none" w="med" len="med"/>
+                    </a:lnT>
+                    <a:lnB w="9525" cap="flat" cmpd="sng" algn="ctr">
+                      <a:solidFill>
+                        <a:srgbClr val="9E9E9E"/>
+                      </a:solidFill>
+                      <a:prstDash val="solid"/>
+                      <a:round/>
+                      <a:headEnd type="none" w="med" len="med"/>
+                      <a:tailEnd type="none" w="med" len="med"/>
+                    </a:lnB>
+                  </a:tcPr>
+                </a:tc>
+                <a:extLst>
+                  <a:ext uri="{0D108BD9-81ED-4DB2-BD59-A6C34878D82A}">
+                    <a16:rowId xmlns:a16="http://schemas.microsoft.com/office/drawing/2014/main" val="2287126775"/>
+                  </a:ext>
+                </a:extLst>
+              </a:tr>
+              <a:tr h="1250802">
+                <a:tc>
+                  <a:txBody>
+                    <a:bodyPr/>
+                    <a:lstStyle/>
+                    <a:p>
+                      <a:pPr lvl="0" algn="ctr" rtl="0" fontAlgn="ctr">
+                        <a:spcBef>
+                          <a:spcPts val="0"/>
+                        </a:spcBef>
+                        <a:spcAft>
+                          <a:spcPts val="0"/>
+                        </a:spcAft>
+                      </a:pPr>
+                      <a:r>
+                        <a:rPr lang="ko-KR" altLang="en-US" sz="1400" b="1" i="0" u="none" strike="noStrike">
+                          <a:solidFill>
+                            <a:srgbClr val="000000"/>
+                          </a:solidFill>
+                          <a:effectLst/>
+                          <a:latin typeface="Arial" panose="020B0604020202020204" pitchFamily="34" charset="0"/>
+                        </a:rPr>
+                        <a:t>니즈</a:t>
+                      </a:r>
+                      <a:endParaRPr lang="ko-KR" altLang="en-US" sz="2800">
+                        <a:effectLst/>
+                      </a:endParaRPr>
+                    </a:p>
+                  </a:txBody>
+                  <a:tcPr marL="79202" marR="79202" marT="79202" marB="79202" anchor="ctr">
+                    <a:lnL w="9525" cap="flat" cmpd="sng" algn="ctr">
+                      <a:solidFill>
+                        <a:srgbClr val="9E9E9E"/>
+                      </a:solidFill>
+                      <a:prstDash val="solid"/>
+                      <a:round/>
+                      <a:headEnd type="none" w="med" len="med"/>
+                      <a:tailEnd type="none" w="med" len="med"/>
+                    </a:lnL>
+                    <a:lnR w="9525" cap="flat" cmpd="sng" algn="ctr">
+                      <a:solidFill>
+                        <a:srgbClr val="9E9E9E"/>
+                      </a:solidFill>
+                      <a:prstDash val="solid"/>
+                      <a:round/>
+                      <a:headEnd type="none" w="med" len="med"/>
+                      <a:tailEnd type="none" w="med" len="med"/>
+                    </a:lnR>
+                    <a:lnT w="9525" cap="flat" cmpd="sng" algn="ctr">
+                      <a:solidFill>
+                        <a:srgbClr val="9E9E9E"/>
+                      </a:solidFill>
+                      <a:prstDash val="solid"/>
+                      <a:round/>
+                      <a:headEnd type="none" w="med" len="med"/>
+                      <a:tailEnd type="none" w="med" len="med"/>
+                    </a:lnT>
+                    <a:lnB w="9525" cap="flat" cmpd="sng" algn="ctr">
+                      <a:solidFill>
+                        <a:srgbClr val="9E9E9E"/>
+                      </a:solidFill>
+                      <a:prstDash val="solid"/>
+                      <a:round/>
+                      <a:headEnd type="none" w="med" len="med"/>
+                      <a:tailEnd type="none" w="med" len="med"/>
+                    </a:lnB>
+                  </a:tcPr>
+                </a:tc>
+                <a:tc>
+                  <a:txBody>
+                    <a:bodyPr/>
+                    <a:lstStyle/>
+                    <a:p>
+                      <a:pPr lvl="0" algn="ctr" rtl="0" fontAlgn="ctr">
+                        <a:spcBef>
+                          <a:spcPts val="0"/>
+                        </a:spcBef>
+                        <a:spcAft>
+                          <a:spcPts val="0"/>
+                        </a:spcAft>
+                      </a:pPr>
+                      <a:r>
+                        <a:rPr lang="ko-KR" altLang="en-US" sz="1100" b="0" i="0" u="none" strike="noStrike">
+                          <a:solidFill>
+                            <a:srgbClr val="000000"/>
+                          </a:solidFill>
+                          <a:effectLst/>
+                          <a:latin typeface="Arial" panose="020B0604020202020204" pitchFamily="34" charset="0"/>
+                        </a:rPr>
+                        <a:t>문화 생활을 위해 공연을 예매하고 싶다</a:t>
+                      </a:r>
+                      <a:r>
+                        <a:rPr lang="en-US" altLang="ko-KR" sz="1100" b="0" i="0" u="none" strike="noStrike">
+                          <a:solidFill>
+                            <a:srgbClr val="000000"/>
+                          </a:solidFill>
+                          <a:effectLst/>
+                          <a:latin typeface="Arial" panose="020B0604020202020204" pitchFamily="34" charset="0"/>
+                        </a:rPr>
+                        <a:t>.</a:t>
+                      </a:r>
+                      <a:endParaRPr lang="ko-KR" altLang="en-US" sz="2800">
+                        <a:effectLst/>
+                      </a:endParaRPr>
+                    </a:p>
+                  </a:txBody>
+                  <a:tcPr marL="79202" marR="79202" marT="79202" marB="79202" anchor="ctr">
+                    <a:lnL w="9525" cap="flat" cmpd="sng" algn="ctr">
+                      <a:solidFill>
+                        <a:srgbClr val="9E9E9E"/>
+                      </a:solidFill>
+                      <a:prstDash val="solid"/>
+                      <a:round/>
+                      <a:headEnd type="none" w="med" len="med"/>
+                      <a:tailEnd type="none" w="med" len="med"/>
+                    </a:lnL>
+                    <a:lnR w="9525" cap="flat" cmpd="sng" algn="ctr">
+                      <a:solidFill>
+                        <a:srgbClr val="9E9E9E"/>
+                      </a:solidFill>
+                      <a:prstDash val="solid"/>
+                      <a:round/>
+                      <a:headEnd type="none" w="med" len="med"/>
+                      <a:tailEnd type="none" w="med" len="med"/>
+                    </a:lnR>
+                    <a:lnT w="9525" cap="flat" cmpd="sng" algn="ctr">
+                      <a:solidFill>
+                        <a:srgbClr val="9E9E9E"/>
+                      </a:solidFill>
+                      <a:prstDash val="solid"/>
+                      <a:round/>
+                      <a:headEnd type="none" w="med" len="med"/>
+                      <a:tailEnd type="none" w="med" len="med"/>
+                    </a:lnT>
+                    <a:lnB w="9525" cap="flat" cmpd="sng" algn="ctr">
+                      <a:solidFill>
+                        <a:srgbClr val="9E9E9E"/>
+                      </a:solidFill>
+                      <a:prstDash val="solid"/>
+                      <a:round/>
+                      <a:headEnd type="none" w="med" len="med"/>
+                      <a:tailEnd type="none" w="med" len="med"/>
+                    </a:lnB>
+                  </a:tcPr>
+                </a:tc>
+                <a:tc>
+                  <a:txBody>
+                    <a:bodyPr/>
+                    <a:lstStyle/>
+                    <a:p>
+                      <a:pPr lvl="0" algn="ctr" rtl="0" fontAlgn="ctr">
+                        <a:spcBef>
+                          <a:spcPts val="0"/>
+                        </a:spcBef>
+                        <a:spcAft>
+                          <a:spcPts val="0"/>
+                        </a:spcAft>
+                      </a:pPr>
+                      <a:r>
+                        <a:rPr lang="ko-KR" altLang="en-US" sz="1100" b="0" i="0" u="none" strike="noStrike" dirty="0">
+                          <a:solidFill>
+                            <a:srgbClr val="000000"/>
+                          </a:solidFill>
+                          <a:effectLst/>
+                          <a:latin typeface="Arial" panose="020B0604020202020204" pitchFamily="34" charset="0"/>
+                        </a:rPr>
+                        <a:t>사이트에 로그인하여 공연 정보를 확인하고 싶다</a:t>
+                      </a:r>
+                      <a:r>
+                        <a:rPr lang="en-US" altLang="ko-KR" sz="1100" b="0" i="0" u="none" strike="noStrike" dirty="0">
+                          <a:solidFill>
+                            <a:srgbClr val="000000"/>
+                          </a:solidFill>
+                          <a:effectLst/>
+                          <a:latin typeface="Arial" panose="020B0604020202020204" pitchFamily="34" charset="0"/>
+                        </a:rPr>
+                        <a:t>.</a:t>
+                      </a:r>
+                      <a:endParaRPr lang="ko-KR" altLang="en-US" sz="2800" dirty="0">
+                        <a:effectLst/>
+                      </a:endParaRPr>
+                    </a:p>
+                  </a:txBody>
+                  <a:tcPr marL="79202" marR="79202" marT="79202" marB="79202" anchor="ctr">
+                    <a:lnL w="9525" cap="flat" cmpd="sng" algn="ctr">
+                      <a:solidFill>
+                        <a:srgbClr val="9E9E9E"/>
+                      </a:solidFill>
+                      <a:prstDash val="solid"/>
+                      <a:round/>
+                      <a:headEnd type="none" w="med" len="med"/>
+                      <a:tailEnd type="none" w="med" len="med"/>
+                    </a:lnL>
+                    <a:lnR w="9525" cap="flat" cmpd="sng" algn="ctr">
+                      <a:solidFill>
+                        <a:srgbClr val="9E9E9E"/>
+                      </a:solidFill>
+                      <a:prstDash val="solid"/>
+                      <a:round/>
+                      <a:headEnd type="none" w="med" len="med"/>
+                      <a:tailEnd type="none" w="med" len="med"/>
+                    </a:lnR>
+                    <a:lnT w="9525" cap="flat" cmpd="sng" algn="ctr">
+                      <a:solidFill>
+                        <a:srgbClr val="9E9E9E"/>
+                      </a:solidFill>
+                      <a:prstDash val="solid"/>
+                      <a:round/>
+                      <a:headEnd type="none" w="med" len="med"/>
+                      <a:tailEnd type="none" w="med" len="med"/>
+                    </a:lnT>
+                    <a:lnB w="9525" cap="flat" cmpd="sng" algn="ctr">
+                      <a:solidFill>
+                        <a:srgbClr val="9E9E9E"/>
+                      </a:solidFill>
+                      <a:prstDash val="solid"/>
+                      <a:round/>
+                      <a:headEnd type="none" w="med" len="med"/>
+                      <a:tailEnd type="none" w="med" len="med"/>
+                    </a:lnB>
+                  </a:tcPr>
+                </a:tc>
+                <a:tc>
+                  <a:txBody>
+                    <a:bodyPr/>
+                    <a:lstStyle/>
+                    <a:p>
+                      <a:pPr lvl="0" algn="ctr" rtl="0" fontAlgn="ctr">
+                        <a:spcBef>
+                          <a:spcPts val="0"/>
+                        </a:spcBef>
+                        <a:spcAft>
+                          <a:spcPts val="0"/>
+                        </a:spcAft>
+                      </a:pPr>
+                      <a:r>
+                        <a:rPr lang="ko-KR" altLang="en-US" sz="1100" b="0" i="0" u="none" strike="noStrike" dirty="0">
+                          <a:solidFill>
+                            <a:srgbClr val="000000"/>
+                          </a:solidFill>
+                          <a:effectLst/>
+                          <a:latin typeface="Arial" panose="020B0604020202020204" pitchFamily="34" charset="0"/>
+                        </a:rPr>
+                        <a:t>연주자가 연주할 곡을 들어보고 연주자의 프로필</a:t>
+                      </a:r>
+                      <a:r>
+                        <a:rPr lang="en-US" altLang="ko-KR" sz="1100" b="0" i="0" u="none" strike="noStrike" dirty="0">
+                          <a:solidFill>
+                            <a:srgbClr val="000000"/>
+                          </a:solidFill>
+                          <a:effectLst/>
+                          <a:latin typeface="Arial" panose="020B0604020202020204" pitchFamily="34" charset="0"/>
+                        </a:rPr>
+                        <a:t>, </a:t>
+                      </a:r>
+                      <a:r>
+                        <a:rPr lang="ko-KR" altLang="en-US" sz="1100" b="0" i="0" u="none" strike="noStrike" dirty="0">
+                          <a:solidFill>
+                            <a:srgbClr val="000000"/>
+                          </a:solidFill>
+                          <a:effectLst/>
+                          <a:latin typeface="Arial" panose="020B0604020202020204" pitchFamily="34" charset="0"/>
+                        </a:rPr>
+                        <a:t>인사말</a:t>
+                      </a:r>
+                      <a:r>
+                        <a:rPr lang="en-US" altLang="ko-KR" sz="1100" b="0" i="0" u="none" strike="noStrike" dirty="0">
+                          <a:solidFill>
+                            <a:srgbClr val="000000"/>
+                          </a:solidFill>
+                          <a:effectLst/>
+                          <a:latin typeface="Arial" panose="020B0604020202020204" pitchFamily="34" charset="0"/>
+                        </a:rPr>
+                        <a:t>, </a:t>
+                      </a:r>
+                      <a:r>
+                        <a:rPr lang="ko-KR" altLang="en-US" sz="1100" b="0" i="0" u="none" strike="noStrike" dirty="0">
+                          <a:solidFill>
+                            <a:srgbClr val="000000"/>
+                          </a:solidFill>
+                          <a:effectLst/>
+                          <a:latin typeface="Arial" panose="020B0604020202020204" pitchFamily="34" charset="0"/>
+                        </a:rPr>
+                        <a:t>프로그램 순서</a:t>
+                      </a:r>
+                      <a:r>
+                        <a:rPr lang="en-US" altLang="ko-KR" sz="1100" b="0" i="0" u="none" strike="noStrike" dirty="0">
+                          <a:solidFill>
+                            <a:srgbClr val="000000"/>
+                          </a:solidFill>
+                          <a:effectLst/>
+                          <a:latin typeface="Arial" panose="020B0604020202020204" pitchFamily="34" charset="0"/>
+                        </a:rPr>
+                        <a:t>, </a:t>
+                      </a:r>
+                      <a:r>
+                        <a:rPr lang="ko-KR" altLang="en-US" sz="1100" b="0" i="0" u="none" strike="noStrike" dirty="0">
+                          <a:solidFill>
+                            <a:srgbClr val="000000"/>
+                          </a:solidFill>
+                          <a:effectLst/>
+                          <a:latin typeface="Arial" panose="020B0604020202020204" pitchFamily="34" charset="0"/>
+                        </a:rPr>
+                        <a:t>예매자의 후기를 확인하고 싶다</a:t>
+                      </a:r>
+                      <a:r>
+                        <a:rPr lang="en-US" altLang="ko-KR" sz="1100" b="0" i="0" u="none" strike="noStrike" dirty="0">
+                          <a:solidFill>
+                            <a:srgbClr val="000000"/>
+                          </a:solidFill>
+                          <a:effectLst/>
+                          <a:latin typeface="Arial" panose="020B0604020202020204" pitchFamily="34" charset="0"/>
+                        </a:rPr>
+                        <a:t>.</a:t>
+                      </a:r>
+                      <a:endParaRPr lang="ko-KR" altLang="en-US" sz="2800" dirty="0">
+                        <a:effectLst/>
+                      </a:endParaRPr>
+                    </a:p>
+                  </a:txBody>
+                  <a:tcPr marL="79202" marR="79202" marT="79202" marB="79202" anchor="ctr">
+                    <a:lnL w="9525" cap="flat" cmpd="sng" algn="ctr">
+                      <a:solidFill>
+                        <a:srgbClr val="9E9E9E"/>
+                      </a:solidFill>
+                      <a:prstDash val="solid"/>
+                      <a:round/>
+                      <a:headEnd type="none" w="med" len="med"/>
+                      <a:tailEnd type="none" w="med" len="med"/>
+                    </a:lnL>
+                    <a:lnR w="9525" cap="flat" cmpd="sng" algn="ctr">
+                      <a:solidFill>
+                        <a:srgbClr val="9E9E9E"/>
+                      </a:solidFill>
+                      <a:prstDash val="solid"/>
+                      <a:round/>
+                      <a:headEnd type="none" w="med" len="med"/>
+                      <a:tailEnd type="none" w="med" len="med"/>
+                    </a:lnR>
+                    <a:lnT w="9525" cap="flat" cmpd="sng" algn="ctr">
+                      <a:solidFill>
+                        <a:srgbClr val="9E9E9E"/>
+                      </a:solidFill>
+                      <a:prstDash val="solid"/>
+                      <a:round/>
+                      <a:headEnd type="none" w="med" len="med"/>
+                      <a:tailEnd type="none" w="med" len="med"/>
+                    </a:lnT>
+                    <a:lnB w="9525" cap="flat" cmpd="sng" algn="ctr">
+                      <a:solidFill>
+                        <a:srgbClr val="9E9E9E"/>
+                      </a:solidFill>
+                      <a:prstDash val="solid"/>
+                      <a:round/>
+                      <a:headEnd type="none" w="med" len="med"/>
+                      <a:tailEnd type="none" w="med" len="med"/>
+                    </a:lnB>
+                  </a:tcPr>
+                </a:tc>
+                <a:tc>
+                  <a:txBody>
+                    <a:bodyPr/>
+                    <a:lstStyle/>
+                    <a:p>
+                      <a:pPr lvl="0" algn="ctr" rtl="0" fontAlgn="ctr">
+                        <a:spcBef>
+                          <a:spcPts val="0"/>
+                        </a:spcBef>
+                        <a:spcAft>
+                          <a:spcPts val="0"/>
+                        </a:spcAft>
+                      </a:pPr>
+                      <a:r>
+                        <a:rPr lang="ko-KR" altLang="en-US" sz="1100" b="0" i="0" u="none" strike="noStrike" dirty="0">
+                          <a:solidFill>
+                            <a:srgbClr val="000000"/>
+                          </a:solidFill>
+                          <a:effectLst/>
+                          <a:latin typeface="Arial" panose="020B0604020202020204" pitchFamily="34" charset="0"/>
+                        </a:rPr>
+                        <a:t>흥미로운 공연들을 찜 해놓고 한번에 비교하고 싶다</a:t>
+                      </a:r>
+                      <a:r>
+                        <a:rPr lang="en-US" altLang="ko-KR" sz="1100" b="0" i="0" u="none" strike="noStrike" dirty="0">
+                          <a:solidFill>
+                            <a:srgbClr val="000000"/>
+                          </a:solidFill>
+                          <a:effectLst/>
+                          <a:latin typeface="Arial" panose="020B0604020202020204" pitchFamily="34" charset="0"/>
+                        </a:rPr>
+                        <a:t>.</a:t>
+                      </a:r>
+                      <a:endParaRPr lang="ko-KR" altLang="en-US" sz="2800" dirty="0">
+                        <a:effectLst/>
+                      </a:endParaRPr>
+                    </a:p>
+                  </a:txBody>
+                  <a:tcPr marL="79202" marR="79202" marT="79202" marB="79202" anchor="ctr">
+                    <a:lnL w="9525" cap="flat" cmpd="sng" algn="ctr">
+                      <a:solidFill>
+                        <a:srgbClr val="9E9E9E"/>
+                      </a:solidFill>
+                      <a:prstDash val="solid"/>
+                      <a:round/>
+                      <a:headEnd type="none" w="med" len="med"/>
+                      <a:tailEnd type="none" w="med" len="med"/>
+                    </a:lnL>
+                    <a:lnR w="9525" cap="flat" cmpd="sng" algn="ctr">
+                      <a:solidFill>
+                        <a:srgbClr val="9E9E9E"/>
+                      </a:solidFill>
+                      <a:prstDash val="solid"/>
+                      <a:round/>
+                      <a:headEnd type="none" w="med" len="med"/>
+                      <a:tailEnd type="none" w="med" len="med"/>
+                    </a:lnR>
+                    <a:lnT w="9525" cap="flat" cmpd="sng" algn="ctr">
+                      <a:solidFill>
+                        <a:srgbClr val="9E9E9E"/>
+                      </a:solidFill>
+                      <a:prstDash val="solid"/>
+                      <a:round/>
+                      <a:headEnd type="none" w="med" len="med"/>
+                      <a:tailEnd type="none" w="med" len="med"/>
+                    </a:lnT>
+                    <a:lnB w="9525" cap="flat" cmpd="sng" algn="ctr">
+                      <a:solidFill>
+                        <a:srgbClr val="9E9E9E"/>
+                      </a:solidFill>
+                      <a:prstDash val="solid"/>
+                      <a:round/>
+                      <a:headEnd type="none" w="med" len="med"/>
+                      <a:tailEnd type="none" w="med" len="med"/>
+                    </a:lnB>
+                  </a:tcPr>
+                </a:tc>
+                <a:tc>
+                  <a:txBody>
+                    <a:bodyPr/>
+                    <a:lstStyle/>
+                    <a:p>
+                      <a:pPr lvl="0" algn="ctr" rtl="0" fontAlgn="ctr">
+                        <a:spcBef>
+                          <a:spcPts val="0"/>
+                        </a:spcBef>
+                        <a:spcAft>
+                          <a:spcPts val="0"/>
+                        </a:spcAft>
+                      </a:pPr>
+                      <a:r>
+                        <a:rPr lang="ko-KR" altLang="en-US" sz="1100" b="0" i="0" u="none" strike="noStrike">
+                          <a:solidFill>
+                            <a:srgbClr val="000000"/>
+                          </a:solidFill>
+                          <a:effectLst/>
+                          <a:latin typeface="Arial" panose="020B0604020202020204" pitchFamily="34" charset="0"/>
+                        </a:rPr>
+                        <a:t>좌석</a:t>
+                      </a:r>
+                      <a:r>
+                        <a:rPr lang="en-US" altLang="ko-KR" sz="1100" b="0" i="0" u="none" strike="noStrike">
+                          <a:solidFill>
+                            <a:srgbClr val="000000"/>
+                          </a:solidFill>
+                          <a:effectLst/>
+                          <a:latin typeface="Arial" panose="020B0604020202020204" pitchFamily="34" charset="0"/>
+                        </a:rPr>
+                        <a:t>, </a:t>
+                      </a:r>
+                      <a:r>
+                        <a:rPr lang="ko-KR" altLang="en-US" sz="1100" b="0" i="0" u="none" strike="noStrike">
+                          <a:solidFill>
+                            <a:srgbClr val="000000"/>
+                          </a:solidFill>
+                          <a:effectLst/>
+                          <a:latin typeface="Arial" panose="020B0604020202020204" pitchFamily="34" charset="0"/>
+                        </a:rPr>
+                        <a:t>담요</a:t>
+                      </a:r>
+                      <a:r>
+                        <a:rPr lang="en-US" altLang="ko-KR" sz="1100" b="0" i="0" u="none" strike="noStrike">
+                          <a:solidFill>
+                            <a:srgbClr val="000000"/>
+                          </a:solidFill>
+                          <a:effectLst/>
+                          <a:latin typeface="Arial" panose="020B0604020202020204" pitchFamily="34" charset="0"/>
+                        </a:rPr>
+                        <a:t>, </a:t>
+                      </a:r>
+                      <a:r>
+                        <a:rPr lang="ko-KR" altLang="en-US" sz="1100" b="0" i="0" u="none" strike="noStrike">
+                          <a:solidFill>
+                            <a:srgbClr val="000000"/>
+                          </a:solidFill>
+                          <a:effectLst/>
+                          <a:latin typeface="Arial" panose="020B0604020202020204" pitchFamily="34" charset="0"/>
+                        </a:rPr>
+                        <a:t>망원경 등을 신청하고 싶다</a:t>
+                      </a:r>
+                      <a:r>
+                        <a:rPr lang="en-US" altLang="ko-KR" sz="1100" b="0" i="0" u="none" strike="noStrike">
+                          <a:solidFill>
+                            <a:srgbClr val="000000"/>
+                          </a:solidFill>
+                          <a:effectLst/>
+                          <a:latin typeface="Arial" panose="020B0604020202020204" pitchFamily="34" charset="0"/>
+                        </a:rPr>
+                        <a:t>.</a:t>
+                      </a:r>
+                      <a:endParaRPr lang="ko-KR" altLang="en-US" sz="2800">
+                        <a:effectLst/>
+                      </a:endParaRPr>
+                    </a:p>
+                  </a:txBody>
+                  <a:tcPr marL="79202" marR="79202" marT="79202" marB="79202" anchor="ctr">
+                    <a:lnL w="9525" cap="flat" cmpd="sng" algn="ctr">
+                      <a:solidFill>
+                        <a:srgbClr val="9E9E9E"/>
+                      </a:solidFill>
+                      <a:prstDash val="solid"/>
+                      <a:round/>
+                      <a:headEnd type="none" w="med" len="med"/>
+                      <a:tailEnd type="none" w="med" len="med"/>
+                    </a:lnL>
+                    <a:lnR w="9525" cap="flat" cmpd="sng" algn="ctr">
+                      <a:solidFill>
+                        <a:srgbClr val="9E9E9E"/>
+                      </a:solidFill>
+                      <a:prstDash val="solid"/>
+                      <a:round/>
+                      <a:headEnd type="none" w="med" len="med"/>
+                      <a:tailEnd type="none" w="med" len="med"/>
+                    </a:lnR>
+                    <a:lnT w="9525" cap="flat" cmpd="sng" algn="ctr">
+                      <a:solidFill>
+                        <a:srgbClr val="9E9E9E"/>
+                      </a:solidFill>
+                      <a:prstDash val="solid"/>
+                      <a:round/>
+                      <a:headEnd type="none" w="med" len="med"/>
+                      <a:tailEnd type="none" w="med" len="med"/>
+                    </a:lnT>
+                    <a:lnB w="9525" cap="flat" cmpd="sng" algn="ctr">
+                      <a:solidFill>
+                        <a:srgbClr val="9E9E9E"/>
+                      </a:solidFill>
+                      <a:prstDash val="solid"/>
+                      <a:round/>
+                      <a:headEnd type="none" w="med" len="med"/>
+                      <a:tailEnd type="none" w="med" len="med"/>
+                    </a:lnB>
+                  </a:tcPr>
+                </a:tc>
+                <a:tc>
+                  <a:txBody>
+                    <a:bodyPr/>
+                    <a:lstStyle/>
+                    <a:p>
+                      <a:pPr lvl="0" algn="ctr" rtl="0" fontAlgn="ctr">
+                        <a:spcBef>
+                          <a:spcPts val="0"/>
+                        </a:spcBef>
+                        <a:spcAft>
+                          <a:spcPts val="0"/>
+                        </a:spcAft>
+                      </a:pPr>
+                      <a:r>
+                        <a:rPr lang="ko-KR" altLang="en-US" sz="1100" b="0" i="0" u="none" strike="noStrike">
+                          <a:solidFill>
+                            <a:srgbClr val="000000"/>
+                          </a:solidFill>
+                          <a:effectLst/>
+                          <a:latin typeface="Arial" panose="020B0604020202020204" pitchFamily="34" charset="0"/>
+                        </a:rPr>
+                        <a:t>결제 방식을 선택하여 결제하고 싶다</a:t>
+                      </a:r>
+                      <a:r>
+                        <a:rPr lang="en-US" altLang="ko-KR" sz="1100" b="0" i="0" u="none" strike="noStrike">
+                          <a:solidFill>
+                            <a:srgbClr val="000000"/>
+                          </a:solidFill>
+                          <a:effectLst/>
+                          <a:latin typeface="Arial" panose="020B0604020202020204" pitchFamily="34" charset="0"/>
+                        </a:rPr>
+                        <a:t>.</a:t>
+                      </a:r>
+                      <a:endParaRPr lang="ko-KR" altLang="en-US" sz="2800">
+                        <a:effectLst/>
+                      </a:endParaRPr>
+                    </a:p>
+                  </a:txBody>
+                  <a:tcPr marL="79202" marR="79202" marT="79202" marB="79202" anchor="ctr">
+                    <a:lnL w="9525" cap="flat" cmpd="sng" algn="ctr">
+                      <a:solidFill>
+                        <a:srgbClr val="9E9E9E"/>
+                      </a:solidFill>
+                      <a:prstDash val="solid"/>
+                      <a:round/>
+                      <a:headEnd type="none" w="med" len="med"/>
+                      <a:tailEnd type="none" w="med" len="med"/>
+                    </a:lnL>
+                    <a:lnR w="9525" cap="flat" cmpd="sng" algn="ctr">
+                      <a:solidFill>
+                        <a:srgbClr val="9E9E9E"/>
+                      </a:solidFill>
+                      <a:prstDash val="solid"/>
+                      <a:round/>
+                      <a:headEnd type="none" w="med" len="med"/>
+                      <a:tailEnd type="none" w="med" len="med"/>
+                    </a:lnR>
+                    <a:lnT w="9525" cap="flat" cmpd="sng" algn="ctr">
+                      <a:solidFill>
+                        <a:srgbClr val="9E9E9E"/>
+                      </a:solidFill>
+                      <a:prstDash val="solid"/>
+                      <a:round/>
+                      <a:headEnd type="none" w="med" len="med"/>
+                      <a:tailEnd type="none" w="med" len="med"/>
+                    </a:lnT>
+                    <a:lnB w="9525" cap="flat" cmpd="sng" algn="ctr">
+                      <a:solidFill>
+                        <a:srgbClr val="9E9E9E"/>
+                      </a:solidFill>
+                      <a:prstDash val="solid"/>
+                      <a:round/>
+                      <a:headEnd type="none" w="med" len="med"/>
+                      <a:tailEnd type="none" w="med" len="med"/>
+                    </a:lnB>
+                  </a:tcPr>
+                </a:tc>
+                <a:tc>
+                  <a:txBody>
+                    <a:bodyPr/>
+                    <a:lstStyle/>
+                    <a:p>
+                      <a:pPr lvl="0" algn="ctr" rtl="0" fontAlgn="ctr">
+                        <a:spcBef>
+                          <a:spcPts val="0"/>
+                        </a:spcBef>
+                        <a:spcAft>
+                          <a:spcPts val="0"/>
+                        </a:spcAft>
+                      </a:pPr>
+                      <a:r>
+                        <a:rPr lang="ko-KR" altLang="en-US" sz="1100" b="0" i="0" u="none" strike="noStrike" dirty="0">
+                          <a:solidFill>
+                            <a:srgbClr val="000000"/>
+                          </a:solidFill>
+                          <a:effectLst/>
+                          <a:latin typeface="Arial" panose="020B0604020202020204" pitchFamily="34" charset="0"/>
+                        </a:rPr>
+                        <a:t>지도를 확대 축소할 수 있고</a:t>
+                      </a:r>
+                      <a:r>
+                        <a:rPr lang="en-US" altLang="ko-KR" sz="1100" b="0" i="0" u="none" strike="noStrike" dirty="0">
+                          <a:solidFill>
+                            <a:srgbClr val="000000"/>
+                          </a:solidFill>
+                          <a:effectLst/>
+                          <a:latin typeface="Arial" panose="020B0604020202020204" pitchFamily="34" charset="0"/>
+                        </a:rPr>
+                        <a:t>, </a:t>
+                      </a:r>
+                      <a:r>
+                        <a:rPr lang="ko-KR" altLang="en-US" sz="1100" b="0" i="0" u="none" strike="noStrike" dirty="0">
+                          <a:solidFill>
+                            <a:srgbClr val="000000"/>
+                          </a:solidFill>
+                          <a:effectLst/>
+                          <a:latin typeface="Arial" panose="020B0604020202020204" pitchFamily="34" charset="0"/>
+                        </a:rPr>
+                        <a:t>대중교통 확인이 수월하다</a:t>
+                      </a:r>
+                      <a:r>
+                        <a:rPr lang="en-US" altLang="ko-KR" sz="1100" b="0" i="0" u="none" strike="noStrike" dirty="0">
+                          <a:solidFill>
+                            <a:srgbClr val="000000"/>
+                          </a:solidFill>
+                          <a:effectLst/>
+                          <a:latin typeface="Arial" panose="020B0604020202020204" pitchFamily="34" charset="0"/>
+                        </a:rPr>
+                        <a:t>. </a:t>
+                      </a:r>
+                      <a:endParaRPr lang="ko-KR" altLang="en-US" sz="2800" dirty="0">
+                        <a:effectLst/>
+                      </a:endParaRPr>
+                    </a:p>
+                  </a:txBody>
+                  <a:tcPr marL="79202" marR="79202" marT="79202" marB="79202" anchor="ctr">
+                    <a:lnL w="9525" cap="flat" cmpd="sng" algn="ctr">
+                      <a:solidFill>
+                        <a:srgbClr val="9E9E9E"/>
+                      </a:solidFill>
+                      <a:prstDash val="solid"/>
+                      <a:round/>
+                      <a:headEnd type="none" w="med" len="med"/>
+                      <a:tailEnd type="none" w="med" len="med"/>
+                    </a:lnL>
+                    <a:lnR w="9525" cap="flat" cmpd="sng" algn="ctr">
+                      <a:solidFill>
+                        <a:srgbClr val="9E9E9E"/>
+                      </a:solidFill>
+                      <a:prstDash val="solid"/>
+                      <a:round/>
+                      <a:headEnd type="none" w="med" len="med"/>
+                      <a:tailEnd type="none" w="med" len="med"/>
+                    </a:lnR>
+                    <a:lnT w="9525" cap="flat" cmpd="sng" algn="ctr">
+                      <a:solidFill>
+                        <a:srgbClr val="9E9E9E"/>
+                      </a:solidFill>
+                      <a:prstDash val="solid"/>
+                      <a:round/>
+                      <a:headEnd type="none" w="med" len="med"/>
+                      <a:tailEnd type="none" w="med" len="med"/>
+                    </a:lnT>
+                    <a:lnB w="9525" cap="flat" cmpd="sng" algn="ctr">
+                      <a:solidFill>
+                        <a:srgbClr val="9E9E9E"/>
+                      </a:solidFill>
+                      <a:prstDash val="solid"/>
+                      <a:round/>
+                      <a:headEnd type="none" w="med" len="med"/>
+                      <a:tailEnd type="none" w="med" len="med"/>
+                    </a:lnB>
+                  </a:tcPr>
+                </a:tc>
+                <a:extLst>
+                  <a:ext uri="{0D108BD9-81ED-4DB2-BD59-A6C34878D82A}">
+                    <a16:rowId xmlns:a16="http://schemas.microsoft.com/office/drawing/2014/main" val="1254724073"/>
+                  </a:ext>
+                </a:extLst>
+              </a:tr>
+              <a:tr h="890596">
+                <a:tc>
+                  <a:txBody>
+                    <a:bodyPr/>
+                    <a:lstStyle/>
+                    <a:p>
+                      <a:pPr lvl="0" algn="ctr" rtl="0" fontAlgn="ctr">
+                        <a:spcBef>
+                          <a:spcPts val="0"/>
+                        </a:spcBef>
+                        <a:spcAft>
+                          <a:spcPts val="0"/>
+                        </a:spcAft>
+                      </a:pPr>
+                      <a:r>
+                        <a:rPr lang="ko-KR" altLang="en-US" sz="1400" b="1" i="0" u="none" strike="noStrike">
+                          <a:solidFill>
+                            <a:srgbClr val="000000"/>
+                          </a:solidFill>
+                          <a:effectLst/>
+                          <a:latin typeface="Arial" panose="020B0604020202020204" pitchFamily="34" charset="0"/>
+                        </a:rPr>
+                        <a:t>사용자 행동</a:t>
+                      </a:r>
+                      <a:endParaRPr lang="ko-KR" altLang="en-US" sz="2800">
+                        <a:effectLst/>
+                      </a:endParaRPr>
+                    </a:p>
+                  </a:txBody>
+                  <a:tcPr marL="79202" marR="79202" marT="79202" marB="79202" anchor="ctr">
+                    <a:lnL w="9525" cap="flat" cmpd="sng" algn="ctr">
+                      <a:solidFill>
+                        <a:srgbClr val="9E9E9E"/>
+                      </a:solidFill>
+                      <a:prstDash val="solid"/>
+                      <a:round/>
+                      <a:headEnd type="none" w="med" len="med"/>
+                      <a:tailEnd type="none" w="med" len="med"/>
+                    </a:lnL>
+                    <a:lnR w="9525" cap="flat" cmpd="sng" algn="ctr">
+                      <a:solidFill>
+                        <a:srgbClr val="9E9E9E"/>
+                      </a:solidFill>
+                      <a:prstDash val="solid"/>
+                      <a:round/>
+                      <a:headEnd type="none" w="med" len="med"/>
+                      <a:tailEnd type="none" w="med" len="med"/>
+                    </a:lnR>
+                    <a:lnT w="9525" cap="flat" cmpd="sng" algn="ctr">
+                      <a:solidFill>
+                        <a:srgbClr val="9E9E9E"/>
+                      </a:solidFill>
+                      <a:prstDash val="solid"/>
+                      <a:round/>
+                      <a:headEnd type="none" w="med" len="med"/>
+                      <a:tailEnd type="none" w="med" len="med"/>
+                    </a:lnT>
+                    <a:lnB w="9525" cap="flat" cmpd="sng" algn="ctr">
+                      <a:solidFill>
+                        <a:srgbClr val="9E9E9E"/>
+                      </a:solidFill>
+                      <a:prstDash val="solid"/>
+                      <a:round/>
+                      <a:headEnd type="none" w="med" len="med"/>
+                      <a:tailEnd type="none" w="med" len="med"/>
+                    </a:lnB>
+                  </a:tcPr>
+                </a:tc>
+                <a:tc>
+                  <a:txBody>
+                    <a:bodyPr/>
+                    <a:lstStyle/>
+                    <a:p>
+                      <a:pPr lvl="0" algn="ctr" rtl="0" fontAlgn="ctr">
+                        <a:spcBef>
+                          <a:spcPts val="0"/>
+                        </a:spcBef>
+                        <a:spcAft>
+                          <a:spcPts val="0"/>
+                        </a:spcAft>
+                      </a:pPr>
+                      <a:r>
+                        <a:rPr lang="ko-KR" altLang="en-US" sz="1100" b="0" i="0" u="none" strike="noStrike">
+                          <a:solidFill>
+                            <a:srgbClr val="000000"/>
+                          </a:solidFill>
+                          <a:effectLst/>
+                          <a:latin typeface="Arial" panose="020B0604020202020204" pitchFamily="34" charset="0"/>
+                        </a:rPr>
+                        <a:t>음악 공연 사이트에 접속했다</a:t>
+                      </a:r>
+                      <a:r>
+                        <a:rPr lang="en-US" altLang="ko-KR" sz="1100" b="0" i="0" u="none" strike="noStrike">
+                          <a:solidFill>
+                            <a:srgbClr val="000000"/>
+                          </a:solidFill>
+                          <a:effectLst/>
+                          <a:latin typeface="Arial" panose="020B0604020202020204" pitchFamily="34" charset="0"/>
+                        </a:rPr>
+                        <a:t>.</a:t>
+                      </a:r>
+                      <a:endParaRPr lang="ko-KR" altLang="en-US" sz="2800">
+                        <a:effectLst/>
+                      </a:endParaRPr>
+                    </a:p>
+                  </a:txBody>
+                  <a:tcPr marL="79202" marR="79202" marT="79202" marB="79202" anchor="ctr">
+                    <a:lnL w="9525" cap="flat" cmpd="sng" algn="ctr">
+                      <a:solidFill>
+                        <a:srgbClr val="9E9E9E"/>
+                      </a:solidFill>
+                      <a:prstDash val="solid"/>
+                      <a:round/>
+                      <a:headEnd type="none" w="med" len="med"/>
+                      <a:tailEnd type="none" w="med" len="med"/>
+                    </a:lnL>
+                    <a:lnR w="9525" cap="flat" cmpd="sng" algn="ctr">
+                      <a:solidFill>
+                        <a:srgbClr val="9E9E9E"/>
+                      </a:solidFill>
+                      <a:prstDash val="solid"/>
+                      <a:round/>
+                      <a:headEnd type="none" w="med" len="med"/>
+                      <a:tailEnd type="none" w="med" len="med"/>
+                    </a:lnR>
+                    <a:lnT w="9525" cap="flat" cmpd="sng" algn="ctr">
+                      <a:solidFill>
+                        <a:srgbClr val="9E9E9E"/>
+                      </a:solidFill>
+                      <a:prstDash val="solid"/>
+                      <a:round/>
+                      <a:headEnd type="none" w="med" len="med"/>
+                      <a:tailEnd type="none" w="med" len="med"/>
+                    </a:lnT>
+                    <a:lnB w="9525" cap="flat" cmpd="sng" algn="ctr">
+                      <a:solidFill>
+                        <a:srgbClr val="9E9E9E"/>
+                      </a:solidFill>
+                      <a:prstDash val="solid"/>
+                      <a:round/>
+                      <a:headEnd type="none" w="med" len="med"/>
+                      <a:tailEnd type="none" w="med" len="med"/>
+                    </a:lnB>
+                  </a:tcPr>
+                </a:tc>
+                <a:tc>
+                  <a:txBody>
+                    <a:bodyPr/>
+                    <a:lstStyle/>
+                    <a:p>
+                      <a:pPr lvl="0" algn="ctr" rtl="0" fontAlgn="ctr">
+                        <a:spcBef>
+                          <a:spcPts val="0"/>
+                        </a:spcBef>
+                        <a:spcAft>
+                          <a:spcPts val="0"/>
+                        </a:spcAft>
+                      </a:pPr>
+                      <a:r>
+                        <a:rPr lang="ko-KR" altLang="en-US" sz="1100" b="0" i="0" u="none" strike="noStrike">
+                          <a:solidFill>
+                            <a:srgbClr val="000000"/>
+                          </a:solidFill>
+                          <a:effectLst/>
+                          <a:latin typeface="Arial" panose="020B0604020202020204" pitchFamily="34" charset="0"/>
+                        </a:rPr>
+                        <a:t>로그인 페이지에서 로그인을 한다</a:t>
+                      </a:r>
+                      <a:r>
+                        <a:rPr lang="en-US" altLang="ko-KR" sz="1100" b="0" i="0" u="none" strike="noStrike">
+                          <a:solidFill>
+                            <a:srgbClr val="000000"/>
+                          </a:solidFill>
+                          <a:effectLst/>
+                          <a:latin typeface="Arial" panose="020B0604020202020204" pitchFamily="34" charset="0"/>
+                        </a:rPr>
+                        <a:t>.</a:t>
+                      </a:r>
+                      <a:endParaRPr lang="ko-KR" altLang="en-US" sz="2800">
+                        <a:effectLst/>
+                      </a:endParaRPr>
+                    </a:p>
+                  </a:txBody>
+                  <a:tcPr marL="79202" marR="79202" marT="79202" marB="79202" anchor="ctr">
+                    <a:lnL w="9525" cap="flat" cmpd="sng" algn="ctr">
+                      <a:solidFill>
+                        <a:srgbClr val="9E9E9E"/>
+                      </a:solidFill>
+                      <a:prstDash val="solid"/>
+                      <a:round/>
+                      <a:headEnd type="none" w="med" len="med"/>
+                      <a:tailEnd type="none" w="med" len="med"/>
+                    </a:lnL>
+                    <a:lnR w="9525" cap="flat" cmpd="sng" algn="ctr">
+                      <a:solidFill>
+                        <a:srgbClr val="9E9E9E"/>
+                      </a:solidFill>
+                      <a:prstDash val="solid"/>
+                      <a:round/>
+                      <a:headEnd type="none" w="med" len="med"/>
+                      <a:tailEnd type="none" w="med" len="med"/>
+                    </a:lnR>
+                    <a:lnT w="9525" cap="flat" cmpd="sng" algn="ctr">
+                      <a:solidFill>
+                        <a:srgbClr val="9E9E9E"/>
+                      </a:solidFill>
+                      <a:prstDash val="solid"/>
+                      <a:round/>
+                      <a:headEnd type="none" w="med" len="med"/>
+                      <a:tailEnd type="none" w="med" len="med"/>
+                    </a:lnT>
+                    <a:lnB w="9525" cap="flat" cmpd="sng" algn="ctr">
+                      <a:solidFill>
+                        <a:srgbClr val="9E9E9E"/>
+                      </a:solidFill>
+                      <a:prstDash val="solid"/>
+                      <a:round/>
+                      <a:headEnd type="none" w="med" len="med"/>
+                      <a:tailEnd type="none" w="med" len="med"/>
+                    </a:lnB>
+                  </a:tcPr>
+                </a:tc>
+                <a:tc>
+                  <a:txBody>
+                    <a:bodyPr/>
+                    <a:lstStyle/>
+                    <a:p>
+                      <a:pPr lvl="0" algn="ctr" rtl="0" fontAlgn="ctr">
+                        <a:spcBef>
+                          <a:spcPts val="0"/>
+                        </a:spcBef>
+                        <a:spcAft>
+                          <a:spcPts val="0"/>
+                        </a:spcAft>
+                      </a:pPr>
+                      <a:r>
+                        <a:rPr lang="ko-KR" altLang="en-US" sz="1100" b="0" i="0" u="none" strike="noStrike">
+                          <a:solidFill>
+                            <a:srgbClr val="000000"/>
+                          </a:solidFill>
+                          <a:effectLst/>
+                          <a:latin typeface="Arial" panose="020B0604020202020204" pitchFamily="34" charset="0"/>
+                        </a:rPr>
+                        <a:t>흥미로운 컨텐츠를 선택하여 정보를 수집하고 공연을 파악한다</a:t>
+                      </a:r>
+                      <a:r>
+                        <a:rPr lang="en-US" altLang="ko-KR" sz="1100" b="0" i="0" u="none" strike="noStrike">
+                          <a:solidFill>
+                            <a:srgbClr val="000000"/>
+                          </a:solidFill>
+                          <a:effectLst/>
+                          <a:latin typeface="Arial" panose="020B0604020202020204" pitchFamily="34" charset="0"/>
+                        </a:rPr>
+                        <a:t>.</a:t>
+                      </a:r>
+                      <a:endParaRPr lang="ko-KR" altLang="en-US" sz="2800">
+                        <a:effectLst/>
+                      </a:endParaRPr>
+                    </a:p>
+                  </a:txBody>
+                  <a:tcPr marL="79202" marR="79202" marT="79202" marB="79202" anchor="ctr">
+                    <a:lnL w="9525" cap="flat" cmpd="sng" algn="ctr">
+                      <a:solidFill>
+                        <a:srgbClr val="9E9E9E"/>
+                      </a:solidFill>
+                      <a:prstDash val="solid"/>
+                      <a:round/>
+                      <a:headEnd type="none" w="med" len="med"/>
+                      <a:tailEnd type="none" w="med" len="med"/>
+                    </a:lnL>
+                    <a:lnR w="9525" cap="flat" cmpd="sng" algn="ctr">
+                      <a:solidFill>
+                        <a:srgbClr val="9E9E9E"/>
+                      </a:solidFill>
+                      <a:prstDash val="solid"/>
+                      <a:round/>
+                      <a:headEnd type="none" w="med" len="med"/>
+                      <a:tailEnd type="none" w="med" len="med"/>
+                    </a:lnR>
+                    <a:lnT w="9525" cap="flat" cmpd="sng" algn="ctr">
+                      <a:solidFill>
+                        <a:srgbClr val="9E9E9E"/>
+                      </a:solidFill>
+                      <a:prstDash val="solid"/>
+                      <a:round/>
+                      <a:headEnd type="none" w="med" len="med"/>
+                      <a:tailEnd type="none" w="med" len="med"/>
+                    </a:lnT>
+                    <a:lnB w="9525" cap="flat" cmpd="sng" algn="ctr">
+                      <a:solidFill>
+                        <a:srgbClr val="9E9E9E"/>
+                      </a:solidFill>
+                      <a:prstDash val="solid"/>
+                      <a:round/>
+                      <a:headEnd type="none" w="med" len="med"/>
+                      <a:tailEnd type="none" w="med" len="med"/>
+                    </a:lnB>
+                  </a:tcPr>
+                </a:tc>
+                <a:tc>
+                  <a:txBody>
+                    <a:bodyPr/>
+                    <a:lstStyle/>
+                    <a:p>
+                      <a:pPr lvl="0" algn="ctr" rtl="0" fontAlgn="ctr">
+                        <a:spcBef>
+                          <a:spcPts val="0"/>
+                        </a:spcBef>
+                        <a:spcAft>
+                          <a:spcPts val="0"/>
+                        </a:spcAft>
+                      </a:pPr>
+                      <a:r>
+                        <a:rPr lang="ko-KR" altLang="en-US" sz="1100" b="0" i="0" u="none" strike="noStrike" dirty="0">
+                          <a:solidFill>
+                            <a:srgbClr val="000000"/>
+                          </a:solidFill>
+                          <a:effectLst/>
+                          <a:latin typeface="Arial" panose="020B0604020202020204" pitchFamily="34" charset="0"/>
+                        </a:rPr>
+                        <a:t>‘찜 해놓기’ 페이지에 들어가서 보다 간편하게 비교한다</a:t>
+                      </a:r>
+                      <a:r>
+                        <a:rPr lang="en-US" altLang="ko-KR" sz="1100" b="0" i="0" u="none" strike="noStrike" dirty="0">
+                          <a:solidFill>
+                            <a:srgbClr val="000000"/>
+                          </a:solidFill>
+                          <a:effectLst/>
+                          <a:latin typeface="Arial" panose="020B0604020202020204" pitchFamily="34" charset="0"/>
+                        </a:rPr>
+                        <a:t>.</a:t>
+                      </a:r>
+                      <a:endParaRPr lang="ko-KR" altLang="en-US" sz="2800" dirty="0">
+                        <a:effectLst/>
+                      </a:endParaRPr>
+                    </a:p>
+                  </a:txBody>
+                  <a:tcPr marL="79202" marR="79202" marT="79202" marB="79202" anchor="ctr">
+                    <a:lnL w="9525" cap="flat" cmpd="sng" algn="ctr">
+                      <a:solidFill>
+                        <a:srgbClr val="9E9E9E"/>
+                      </a:solidFill>
+                      <a:prstDash val="solid"/>
+                      <a:round/>
+                      <a:headEnd type="none" w="med" len="med"/>
+                      <a:tailEnd type="none" w="med" len="med"/>
+                    </a:lnL>
+                    <a:lnR w="9525" cap="flat" cmpd="sng" algn="ctr">
+                      <a:solidFill>
+                        <a:srgbClr val="9E9E9E"/>
+                      </a:solidFill>
+                      <a:prstDash val="solid"/>
+                      <a:round/>
+                      <a:headEnd type="none" w="med" len="med"/>
+                      <a:tailEnd type="none" w="med" len="med"/>
+                    </a:lnR>
+                    <a:lnT w="9525" cap="flat" cmpd="sng" algn="ctr">
+                      <a:solidFill>
+                        <a:srgbClr val="9E9E9E"/>
+                      </a:solidFill>
+                      <a:prstDash val="solid"/>
+                      <a:round/>
+                      <a:headEnd type="none" w="med" len="med"/>
+                      <a:tailEnd type="none" w="med" len="med"/>
+                    </a:lnT>
+                    <a:lnB w="9525" cap="flat" cmpd="sng" algn="ctr">
+                      <a:solidFill>
+                        <a:srgbClr val="9E9E9E"/>
+                      </a:solidFill>
+                      <a:prstDash val="solid"/>
+                      <a:round/>
+                      <a:headEnd type="none" w="med" len="med"/>
+                      <a:tailEnd type="none" w="med" len="med"/>
+                    </a:lnB>
+                  </a:tcPr>
+                </a:tc>
+                <a:tc>
+                  <a:txBody>
+                    <a:bodyPr/>
+                    <a:lstStyle/>
+                    <a:p>
+                      <a:pPr lvl="0" algn="ctr" rtl="0" fontAlgn="ctr">
+                        <a:spcBef>
+                          <a:spcPts val="0"/>
+                        </a:spcBef>
+                        <a:spcAft>
+                          <a:spcPts val="0"/>
+                        </a:spcAft>
+                      </a:pPr>
+                      <a:r>
+                        <a:rPr lang="ko-KR" altLang="en-US" sz="1100" b="0" i="0" u="none" strike="noStrike" dirty="0">
+                          <a:solidFill>
+                            <a:srgbClr val="000000"/>
+                          </a:solidFill>
+                          <a:effectLst/>
+                          <a:latin typeface="Arial" panose="020B0604020202020204" pitchFamily="34" charset="0"/>
+                        </a:rPr>
+                        <a:t>좌석</a:t>
+                      </a:r>
+                      <a:r>
+                        <a:rPr lang="en-US" altLang="ko-KR" sz="1100" b="0" i="0" u="none" strike="noStrike" dirty="0">
+                          <a:solidFill>
+                            <a:srgbClr val="000000"/>
+                          </a:solidFill>
+                          <a:effectLst/>
+                          <a:latin typeface="Arial" panose="020B0604020202020204" pitchFamily="34" charset="0"/>
+                        </a:rPr>
+                        <a:t>, </a:t>
+                      </a:r>
+                      <a:r>
+                        <a:rPr lang="ko-KR" altLang="en-US" sz="1100" b="0" i="0" u="none" strike="noStrike" dirty="0">
+                          <a:solidFill>
+                            <a:srgbClr val="000000"/>
+                          </a:solidFill>
+                          <a:effectLst/>
+                          <a:latin typeface="Arial" panose="020B0604020202020204" pitchFamily="34" charset="0"/>
+                        </a:rPr>
+                        <a:t>담요</a:t>
+                      </a:r>
+                      <a:r>
+                        <a:rPr lang="en-US" altLang="ko-KR" sz="1100" b="0" i="0" u="none" strike="noStrike" dirty="0">
+                          <a:solidFill>
+                            <a:srgbClr val="000000"/>
+                          </a:solidFill>
+                          <a:effectLst/>
+                          <a:latin typeface="Arial" panose="020B0604020202020204" pitchFamily="34" charset="0"/>
+                        </a:rPr>
+                        <a:t>, </a:t>
+                      </a:r>
+                      <a:r>
+                        <a:rPr lang="ko-KR" altLang="en-US" sz="1100" b="0" i="0" u="none" strike="noStrike" dirty="0">
+                          <a:solidFill>
+                            <a:srgbClr val="000000"/>
+                          </a:solidFill>
+                          <a:effectLst/>
+                          <a:latin typeface="Arial" panose="020B0604020202020204" pitchFamily="34" charset="0"/>
+                        </a:rPr>
+                        <a:t>망원경 등 예매에 필요한 선택을 한다</a:t>
+                      </a:r>
+                      <a:r>
+                        <a:rPr lang="en-US" altLang="ko-KR" sz="1100" b="0" i="0" u="none" strike="noStrike" dirty="0">
+                          <a:solidFill>
+                            <a:srgbClr val="000000"/>
+                          </a:solidFill>
+                          <a:effectLst/>
+                          <a:latin typeface="Arial" panose="020B0604020202020204" pitchFamily="34" charset="0"/>
+                        </a:rPr>
+                        <a:t>.</a:t>
+                      </a:r>
+                      <a:endParaRPr lang="ko-KR" altLang="en-US" sz="2800" dirty="0">
+                        <a:effectLst/>
+                      </a:endParaRPr>
+                    </a:p>
+                  </a:txBody>
+                  <a:tcPr marL="79202" marR="79202" marT="79202" marB="79202" anchor="ctr">
+                    <a:lnL w="9525" cap="flat" cmpd="sng" algn="ctr">
+                      <a:solidFill>
+                        <a:srgbClr val="9E9E9E"/>
+                      </a:solidFill>
+                      <a:prstDash val="solid"/>
+                      <a:round/>
+                      <a:headEnd type="none" w="med" len="med"/>
+                      <a:tailEnd type="none" w="med" len="med"/>
+                    </a:lnL>
+                    <a:lnR w="9525" cap="flat" cmpd="sng" algn="ctr">
+                      <a:solidFill>
+                        <a:srgbClr val="9E9E9E"/>
+                      </a:solidFill>
+                      <a:prstDash val="solid"/>
+                      <a:round/>
+                      <a:headEnd type="none" w="med" len="med"/>
+                      <a:tailEnd type="none" w="med" len="med"/>
+                    </a:lnR>
+                    <a:lnT w="9525" cap="flat" cmpd="sng" algn="ctr">
+                      <a:solidFill>
+                        <a:srgbClr val="9E9E9E"/>
+                      </a:solidFill>
+                      <a:prstDash val="solid"/>
+                      <a:round/>
+                      <a:headEnd type="none" w="med" len="med"/>
+                      <a:tailEnd type="none" w="med" len="med"/>
+                    </a:lnT>
+                    <a:lnB w="9525" cap="flat" cmpd="sng" algn="ctr">
+                      <a:solidFill>
+                        <a:srgbClr val="9E9E9E"/>
+                      </a:solidFill>
+                      <a:prstDash val="solid"/>
+                      <a:round/>
+                      <a:headEnd type="none" w="med" len="med"/>
+                      <a:tailEnd type="none" w="med" len="med"/>
+                    </a:lnB>
+                  </a:tcPr>
+                </a:tc>
+                <a:tc>
+                  <a:txBody>
+                    <a:bodyPr/>
+                    <a:lstStyle/>
+                    <a:p>
+                      <a:pPr lvl="0" algn="ctr" rtl="0" fontAlgn="ctr">
+                        <a:spcBef>
+                          <a:spcPts val="0"/>
+                        </a:spcBef>
+                        <a:spcAft>
+                          <a:spcPts val="0"/>
+                        </a:spcAft>
+                      </a:pPr>
+                      <a:r>
+                        <a:rPr lang="ko-KR" altLang="en-US" sz="1100" b="0" i="0" u="none" strike="noStrike">
+                          <a:solidFill>
+                            <a:srgbClr val="000000"/>
+                          </a:solidFill>
+                          <a:effectLst/>
+                          <a:latin typeface="Arial" panose="020B0604020202020204" pitchFamily="34" charset="0"/>
+                        </a:rPr>
+                        <a:t>내가 결제하고자 하는 방식을 선택하고 결제를 진행한다</a:t>
+                      </a:r>
+                      <a:r>
+                        <a:rPr lang="en-US" altLang="ko-KR" sz="1100" b="0" i="0" u="none" strike="noStrike">
+                          <a:solidFill>
+                            <a:srgbClr val="000000"/>
+                          </a:solidFill>
+                          <a:effectLst/>
+                          <a:latin typeface="Arial" panose="020B0604020202020204" pitchFamily="34" charset="0"/>
+                        </a:rPr>
+                        <a:t>.</a:t>
+                      </a:r>
+                      <a:endParaRPr lang="ko-KR" altLang="en-US" sz="2800">
+                        <a:effectLst/>
+                      </a:endParaRPr>
+                    </a:p>
+                  </a:txBody>
+                  <a:tcPr marL="79202" marR="79202" marT="79202" marB="79202" anchor="ctr">
+                    <a:lnL w="9525" cap="flat" cmpd="sng" algn="ctr">
+                      <a:solidFill>
+                        <a:srgbClr val="9E9E9E"/>
+                      </a:solidFill>
+                      <a:prstDash val="solid"/>
+                      <a:round/>
+                      <a:headEnd type="none" w="med" len="med"/>
+                      <a:tailEnd type="none" w="med" len="med"/>
+                    </a:lnL>
+                    <a:lnR w="9525" cap="flat" cmpd="sng" algn="ctr">
+                      <a:solidFill>
+                        <a:srgbClr val="9E9E9E"/>
+                      </a:solidFill>
+                      <a:prstDash val="solid"/>
+                      <a:round/>
+                      <a:headEnd type="none" w="med" len="med"/>
+                      <a:tailEnd type="none" w="med" len="med"/>
+                    </a:lnR>
+                    <a:lnT w="9525" cap="flat" cmpd="sng" algn="ctr">
+                      <a:solidFill>
+                        <a:srgbClr val="9E9E9E"/>
+                      </a:solidFill>
+                      <a:prstDash val="solid"/>
+                      <a:round/>
+                      <a:headEnd type="none" w="med" len="med"/>
+                      <a:tailEnd type="none" w="med" len="med"/>
+                    </a:lnT>
+                    <a:lnB w="9525" cap="flat" cmpd="sng" algn="ctr">
+                      <a:solidFill>
+                        <a:srgbClr val="9E9E9E"/>
+                      </a:solidFill>
+                      <a:prstDash val="solid"/>
+                      <a:round/>
+                      <a:headEnd type="none" w="med" len="med"/>
+                      <a:tailEnd type="none" w="med" len="med"/>
+                    </a:lnB>
+                  </a:tcPr>
+                </a:tc>
+                <a:tc>
+                  <a:txBody>
+                    <a:bodyPr/>
+                    <a:lstStyle/>
+                    <a:p>
+                      <a:pPr lvl="0" algn="ctr" rtl="0" fontAlgn="ctr">
+                        <a:spcBef>
+                          <a:spcPts val="0"/>
+                        </a:spcBef>
+                        <a:spcAft>
+                          <a:spcPts val="0"/>
+                        </a:spcAft>
+                      </a:pPr>
+                      <a:r>
+                        <a:rPr lang="ko-KR" altLang="en-US" sz="1100" b="0" i="0" u="none" strike="noStrike" dirty="0">
+                          <a:solidFill>
+                            <a:srgbClr val="000000"/>
+                          </a:solidFill>
+                          <a:effectLst/>
+                          <a:latin typeface="Arial" panose="020B0604020202020204" pitchFamily="34" charset="0"/>
+                        </a:rPr>
+                        <a:t>연주회를 찾아가기 쉽도록 지도와 대중교통 정보를 파악하고 저장한다</a:t>
+                      </a:r>
+                      <a:r>
+                        <a:rPr lang="en-US" altLang="ko-KR" sz="1100" b="0" i="0" u="none" strike="noStrike" dirty="0">
+                          <a:solidFill>
+                            <a:srgbClr val="000000"/>
+                          </a:solidFill>
+                          <a:effectLst/>
+                          <a:latin typeface="Arial" panose="020B0604020202020204" pitchFamily="34" charset="0"/>
+                        </a:rPr>
+                        <a:t>.</a:t>
+                      </a:r>
+                      <a:endParaRPr lang="ko-KR" altLang="en-US" sz="2800" dirty="0">
+                        <a:effectLst/>
+                      </a:endParaRPr>
+                    </a:p>
+                  </a:txBody>
+                  <a:tcPr marL="79202" marR="79202" marT="79202" marB="79202" anchor="ctr">
+                    <a:lnL w="9525" cap="flat" cmpd="sng" algn="ctr">
+                      <a:solidFill>
+                        <a:srgbClr val="9E9E9E"/>
+                      </a:solidFill>
+                      <a:prstDash val="solid"/>
+                      <a:round/>
+                      <a:headEnd type="none" w="med" len="med"/>
+                      <a:tailEnd type="none" w="med" len="med"/>
+                    </a:lnL>
+                    <a:lnR w="9525" cap="flat" cmpd="sng" algn="ctr">
+                      <a:solidFill>
+                        <a:srgbClr val="9E9E9E"/>
+                      </a:solidFill>
+                      <a:prstDash val="solid"/>
+                      <a:round/>
+                      <a:headEnd type="none" w="med" len="med"/>
+                      <a:tailEnd type="none" w="med" len="med"/>
+                    </a:lnR>
+                    <a:lnT w="9525" cap="flat" cmpd="sng" algn="ctr">
+                      <a:solidFill>
+                        <a:srgbClr val="9E9E9E"/>
+                      </a:solidFill>
+                      <a:prstDash val="solid"/>
+                      <a:round/>
+                      <a:headEnd type="none" w="med" len="med"/>
+                      <a:tailEnd type="none" w="med" len="med"/>
+                    </a:lnT>
+                    <a:lnB w="9525" cap="flat" cmpd="sng" algn="ctr">
+                      <a:solidFill>
+                        <a:srgbClr val="9E9E9E"/>
+                      </a:solidFill>
+                      <a:prstDash val="solid"/>
+                      <a:round/>
+                      <a:headEnd type="none" w="med" len="med"/>
+                      <a:tailEnd type="none" w="med" len="med"/>
+                    </a:lnB>
+                  </a:tcPr>
+                </a:tc>
+                <a:extLst>
+                  <a:ext uri="{0D108BD9-81ED-4DB2-BD59-A6C34878D82A}">
+                    <a16:rowId xmlns:a16="http://schemas.microsoft.com/office/drawing/2014/main" val="701086828"/>
+                  </a:ext>
+                </a:extLst>
+              </a:tr>
+              <a:tr h="1250802">
+                <a:tc>
+                  <a:txBody>
+                    <a:bodyPr/>
+                    <a:lstStyle/>
+                    <a:p>
+                      <a:pPr lvl="0" algn="ctr" rtl="0" fontAlgn="ctr">
+                        <a:spcBef>
+                          <a:spcPts val="0"/>
+                        </a:spcBef>
+                        <a:spcAft>
+                          <a:spcPts val="0"/>
+                        </a:spcAft>
+                      </a:pPr>
+                      <a:r>
+                        <a:rPr lang="ko-KR" altLang="en-US" sz="1400" b="1" i="0" u="none" strike="noStrike">
+                          <a:solidFill>
+                            <a:srgbClr val="000000"/>
+                          </a:solidFill>
+                          <a:effectLst/>
+                          <a:latin typeface="Arial" panose="020B0604020202020204" pitchFamily="34" charset="0"/>
+                        </a:rPr>
+                        <a:t>기능</a:t>
+                      </a:r>
+                      <a:endParaRPr lang="ko-KR" altLang="en-US" sz="2800">
+                        <a:effectLst/>
+                      </a:endParaRPr>
+                    </a:p>
+                  </a:txBody>
+                  <a:tcPr marL="79202" marR="79202" marT="79202" marB="79202" anchor="ctr">
+                    <a:lnL w="9525" cap="flat" cmpd="sng" algn="ctr">
+                      <a:solidFill>
+                        <a:srgbClr val="9E9E9E"/>
+                      </a:solidFill>
+                      <a:prstDash val="solid"/>
+                      <a:round/>
+                      <a:headEnd type="none" w="med" len="med"/>
+                      <a:tailEnd type="none" w="med" len="med"/>
+                    </a:lnL>
+                    <a:lnR w="9525" cap="flat" cmpd="sng" algn="ctr">
+                      <a:solidFill>
+                        <a:srgbClr val="9E9E9E"/>
+                      </a:solidFill>
+                      <a:prstDash val="solid"/>
+                      <a:round/>
+                      <a:headEnd type="none" w="med" len="med"/>
+                      <a:tailEnd type="none" w="med" len="med"/>
+                    </a:lnR>
+                    <a:lnT w="9525" cap="flat" cmpd="sng" algn="ctr">
+                      <a:solidFill>
+                        <a:srgbClr val="9E9E9E"/>
+                      </a:solidFill>
+                      <a:prstDash val="solid"/>
+                      <a:round/>
+                      <a:headEnd type="none" w="med" len="med"/>
+                      <a:tailEnd type="none" w="med" len="med"/>
+                    </a:lnT>
+                    <a:lnB w="9525" cap="flat" cmpd="sng" algn="ctr">
+                      <a:solidFill>
+                        <a:srgbClr val="9E9E9E"/>
+                      </a:solidFill>
+                      <a:prstDash val="solid"/>
+                      <a:round/>
+                      <a:headEnd type="none" w="med" len="med"/>
+                      <a:tailEnd type="none" w="med" len="med"/>
+                    </a:lnB>
+                  </a:tcPr>
+                </a:tc>
+                <a:tc>
+                  <a:txBody>
+                    <a:bodyPr/>
+                    <a:lstStyle/>
+                    <a:p>
+                      <a:pPr lvl="0" algn="ctr" rtl="0" fontAlgn="ctr">
+                        <a:spcBef>
+                          <a:spcPts val="0"/>
+                        </a:spcBef>
+                        <a:spcAft>
+                          <a:spcPts val="0"/>
+                        </a:spcAft>
+                      </a:pPr>
+                      <a:r>
+                        <a:rPr lang="ko-KR" altLang="en-US" sz="1100" b="0" i="0" u="none" strike="noStrike">
+                          <a:solidFill>
+                            <a:srgbClr val="000000"/>
+                          </a:solidFill>
+                          <a:effectLst/>
+                          <a:latin typeface="Arial" panose="020B0604020202020204" pitchFamily="34" charset="0"/>
+                        </a:rPr>
+                        <a:t>홈페이지에 환영 이미지가 움직이며 로그인 화면으로 갈 수 있는 배너가 뜨는 기능</a:t>
+                      </a:r>
+                      <a:endParaRPr lang="ko-KR" altLang="en-US" sz="2800">
+                        <a:effectLst/>
+                      </a:endParaRPr>
+                    </a:p>
+                  </a:txBody>
+                  <a:tcPr marL="79202" marR="79202" marT="79202" marB="79202" anchor="ctr">
+                    <a:lnL w="9525" cap="flat" cmpd="sng" algn="ctr">
+                      <a:solidFill>
+                        <a:srgbClr val="9E9E9E"/>
+                      </a:solidFill>
+                      <a:prstDash val="solid"/>
+                      <a:round/>
+                      <a:headEnd type="none" w="med" len="med"/>
+                      <a:tailEnd type="none" w="med" len="med"/>
+                    </a:lnL>
+                    <a:lnR w="9525" cap="flat" cmpd="sng" algn="ctr">
+                      <a:solidFill>
+                        <a:srgbClr val="9E9E9E"/>
+                      </a:solidFill>
+                      <a:prstDash val="solid"/>
+                      <a:round/>
+                      <a:headEnd type="none" w="med" len="med"/>
+                      <a:tailEnd type="none" w="med" len="med"/>
+                    </a:lnR>
+                    <a:lnT w="9525" cap="flat" cmpd="sng" algn="ctr">
+                      <a:solidFill>
+                        <a:srgbClr val="9E9E9E"/>
+                      </a:solidFill>
+                      <a:prstDash val="solid"/>
+                      <a:round/>
+                      <a:headEnd type="none" w="med" len="med"/>
+                      <a:tailEnd type="none" w="med" len="med"/>
+                    </a:lnT>
+                    <a:lnB w="9525" cap="flat" cmpd="sng" algn="ctr">
+                      <a:solidFill>
+                        <a:srgbClr val="9E9E9E"/>
+                      </a:solidFill>
+                      <a:prstDash val="solid"/>
+                      <a:round/>
+                      <a:headEnd type="none" w="med" len="med"/>
+                      <a:tailEnd type="none" w="med" len="med"/>
+                    </a:lnB>
+                  </a:tcPr>
+                </a:tc>
+                <a:tc>
+                  <a:txBody>
+                    <a:bodyPr/>
+                    <a:lstStyle/>
+                    <a:p>
+                      <a:pPr lvl="0" algn="ctr" rtl="0" fontAlgn="ctr">
+                        <a:spcBef>
+                          <a:spcPts val="0"/>
+                        </a:spcBef>
+                        <a:spcAft>
+                          <a:spcPts val="0"/>
+                        </a:spcAft>
+                      </a:pPr>
+                      <a:r>
+                        <a:rPr lang="ko-KR" altLang="en-US" sz="1100" b="0" i="0" u="none" strike="noStrike">
+                          <a:solidFill>
+                            <a:srgbClr val="000000"/>
+                          </a:solidFill>
+                          <a:effectLst/>
+                          <a:latin typeface="Arial" panose="020B0604020202020204" pitchFamily="34" charset="0"/>
+                        </a:rPr>
+                        <a:t>로그인 기능</a:t>
+                      </a:r>
+                      <a:endParaRPr lang="ko-KR" altLang="en-US" sz="2800">
+                        <a:effectLst/>
+                      </a:endParaRPr>
+                    </a:p>
+                  </a:txBody>
+                  <a:tcPr marL="79202" marR="79202" marT="79202" marB="79202" anchor="ctr">
+                    <a:lnL w="9525" cap="flat" cmpd="sng" algn="ctr">
+                      <a:solidFill>
+                        <a:srgbClr val="9E9E9E"/>
+                      </a:solidFill>
+                      <a:prstDash val="solid"/>
+                      <a:round/>
+                      <a:headEnd type="none" w="med" len="med"/>
+                      <a:tailEnd type="none" w="med" len="med"/>
+                    </a:lnL>
+                    <a:lnR w="9525" cap="flat" cmpd="sng" algn="ctr">
+                      <a:solidFill>
+                        <a:srgbClr val="9E9E9E"/>
+                      </a:solidFill>
+                      <a:prstDash val="solid"/>
+                      <a:round/>
+                      <a:headEnd type="none" w="med" len="med"/>
+                      <a:tailEnd type="none" w="med" len="med"/>
+                    </a:lnR>
+                    <a:lnT w="9525" cap="flat" cmpd="sng" algn="ctr">
+                      <a:solidFill>
+                        <a:srgbClr val="9E9E9E"/>
+                      </a:solidFill>
+                      <a:prstDash val="solid"/>
+                      <a:round/>
+                      <a:headEnd type="none" w="med" len="med"/>
+                      <a:tailEnd type="none" w="med" len="med"/>
+                    </a:lnT>
+                    <a:lnB w="9525" cap="flat" cmpd="sng" algn="ctr">
+                      <a:solidFill>
+                        <a:srgbClr val="9E9E9E"/>
+                      </a:solidFill>
+                      <a:prstDash val="solid"/>
+                      <a:round/>
+                      <a:headEnd type="none" w="med" len="med"/>
+                      <a:tailEnd type="none" w="med" len="med"/>
+                    </a:lnB>
+                  </a:tcPr>
+                </a:tc>
+                <a:tc>
+                  <a:txBody>
+                    <a:bodyPr/>
+                    <a:lstStyle/>
+                    <a:p>
+                      <a:pPr lvl="0" algn="ctr" rtl="0" fontAlgn="ctr">
+                        <a:spcBef>
+                          <a:spcPts val="0"/>
+                        </a:spcBef>
+                        <a:spcAft>
+                          <a:spcPts val="0"/>
+                        </a:spcAft>
+                      </a:pPr>
+                      <a:r>
+                        <a:rPr lang="ko-KR" altLang="en-US" sz="1100" b="0" i="0" u="none" strike="noStrike">
+                          <a:solidFill>
+                            <a:srgbClr val="000000"/>
+                          </a:solidFill>
+                          <a:effectLst/>
+                          <a:latin typeface="Arial" panose="020B0604020202020204" pitchFamily="34" charset="0"/>
+                        </a:rPr>
+                        <a:t>컨텐츠 선택 시에 연주자가 연주할 대표 곡이 흘러나오는 기능</a:t>
+                      </a:r>
+                      <a:r>
+                        <a:rPr lang="en-US" altLang="ko-KR" sz="1100" b="0" i="0" u="none" strike="noStrike">
+                          <a:solidFill>
+                            <a:srgbClr val="000000"/>
+                          </a:solidFill>
+                          <a:effectLst/>
+                          <a:latin typeface="Arial" panose="020B0604020202020204" pitchFamily="34" charset="0"/>
+                        </a:rPr>
+                        <a:t>, </a:t>
+                      </a:r>
+                      <a:r>
+                        <a:rPr lang="ko-KR" altLang="en-US" sz="1100" b="0" i="0" u="none" strike="noStrike">
+                          <a:solidFill>
+                            <a:srgbClr val="000000"/>
+                          </a:solidFill>
+                          <a:effectLst/>
+                          <a:latin typeface="Arial" panose="020B0604020202020204" pitchFamily="34" charset="0"/>
+                        </a:rPr>
+                        <a:t>성별</a:t>
+                      </a:r>
+                      <a:r>
+                        <a:rPr lang="en-US" altLang="ko-KR" sz="1100" b="0" i="0" u="none" strike="noStrike">
+                          <a:solidFill>
+                            <a:srgbClr val="000000"/>
+                          </a:solidFill>
+                          <a:effectLst/>
+                          <a:latin typeface="Arial" panose="020B0604020202020204" pitchFamily="34" charset="0"/>
+                        </a:rPr>
+                        <a:t>/</a:t>
+                      </a:r>
+                      <a:r>
+                        <a:rPr lang="ko-KR" altLang="en-US" sz="1100" b="0" i="0" u="none" strike="noStrike">
+                          <a:solidFill>
+                            <a:srgbClr val="000000"/>
+                          </a:solidFill>
+                          <a:effectLst/>
+                          <a:latin typeface="Arial" panose="020B0604020202020204" pitchFamily="34" charset="0"/>
+                        </a:rPr>
+                        <a:t>나이별 공감 후기 확인 기능</a:t>
+                      </a:r>
+                      <a:endParaRPr lang="ko-KR" altLang="en-US" sz="2800">
+                        <a:effectLst/>
+                      </a:endParaRPr>
+                    </a:p>
+                  </a:txBody>
+                  <a:tcPr marL="79202" marR="79202" marT="79202" marB="79202" anchor="ctr">
+                    <a:lnL w="9525" cap="flat" cmpd="sng" algn="ctr">
+                      <a:solidFill>
+                        <a:srgbClr val="9E9E9E"/>
+                      </a:solidFill>
+                      <a:prstDash val="solid"/>
+                      <a:round/>
+                      <a:headEnd type="none" w="med" len="med"/>
+                      <a:tailEnd type="none" w="med" len="med"/>
+                    </a:lnL>
+                    <a:lnR w="9525" cap="flat" cmpd="sng" algn="ctr">
+                      <a:solidFill>
+                        <a:srgbClr val="9E9E9E"/>
+                      </a:solidFill>
+                      <a:prstDash val="solid"/>
+                      <a:round/>
+                      <a:headEnd type="none" w="med" len="med"/>
+                      <a:tailEnd type="none" w="med" len="med"/>
+                    </a:lnR>
+                    <a:lnT w="9525" cap="flat" cmpd="sng" algn="ctr">
+                      <a:solidFill>
+                        <a:srgbClr val="9E9E9E"/>
+                      </a:solidFill>
+                      <a:prstDash val="solid"/>
+                      <a:round/>
+                      <a:headEnd type="none" w="med" len="med"/>
+                      <a:tailEnd type="none" w="med" len="med"/>
+                    </a:lnT>
+                    <a:lnB w="9525" cap="flat" cmpd="sng" algn="ctr">
+                      <a:solidFill>
+                        <a:srgbClr val="9E9E9E"/>
+                      </a:solidFill>
+                      <a:prstDash val="solid"/>
+                      <a:round/>
+                      <a:headEnd type="none" w="med" len="med"/>
+                      <a:tailEnd type="none" w="med" len="med"/>
+                    </a:lnB>
+                  </a:tcPr>
+                </a:tc>
+                <a:tc>
+                  <a:txBody>
+                    <a:bodyPr/>
+                    <a:lstStyle/>
+                    <a:p>
+                      <a:pPr lvl="0" algn="ctr" rtl="0" fontAlgn="ctr">
+                        <a:spcBef>
+                          <a:spcPts val="0"/>
+                        </a:spcBef>
+                        <a:spcAft>
+                          <a:spcPts val="0"/>
+                        </a:spcAft>
+                      </a:pPr>
+                      <a:r>
+                        <a:rPr lang="ko-KR" altLang="en-US" sz="1100" b="0" i="0" u="none" strike="noStrike" dirty="0">
+                          <a:solidFill>
+                            <a:srgbClr val="000000"/>
+                          </a:solidFill>
+                          <a:effectLst/>
+                          <a:latin typeface="Arial" panose="020B0604020202020204" pitchFamily="34" charset="0"/>
+                        </a:rPr>
+                        <a:t>찜 한 공연들을 한눈에 모아볼 수 있는 화면 제공 기능</a:t>
+                      </a:r>
+                      <a:endParaRPr lang="ko-KR" altLang="en-US" sz="2800" dirty="0">
+                        <a:effectLst/>
+                      </a:endParaRPr>
+                    </a:p>
+                  </a:txBody>
+                  <a:tcPr marL="79202" marR="79202" marT="79202" marB="79202" anchor="ctr">
+                    <a:lnL w="9525" cap="flat" cmpd="sng" algn="ctr">
+                      <a:solidFill>
+                        <a:srgbClr val="9E9E9E"/>
+                      </a:solidFill>
+                      <a:prstDash val="solid"/>
+                      <a:round/>
+                      <a:headEnd type="none" w="med" len="med"/>
+                      <a:tailEnd type="none" w="med" len="med"/>
+                    </a:lnL>
+                    <a:lnR w="9525" cap="flat" cmpd="sng" algn="ctr">
+                      <a:solidFill>
+                        <a:srgbClr val="9E9E9E"/>
+                      </a:solidFill>
+                      <a:prstDash val="solid"/>
+                      <a:round/>
+                      <a:headEnd type="none" w="med" len="med"/>
+                      <a:tailEnd type="none" w="med" len="med"/>
+                    </a:lnR>
+                    <a:lnT w="9525" cap="flat" cmpd="sng" algn="ctr">
+                      <a:solidFill>
+                        <a:srgbClr val="9E9E9E"/>
+                      </a:solidFill>
+                      <a:prstDash val="solid"/>
+                      <a:round/>
+                      <a:headEnd type="none" w="med" len="med"/>
+                      <a:tailEnd type="none" w="med" len="med"/>
+                    </a:lnT>
+                    <a:lnB w="9525" cap="flat" cmpd="sng" algn="ctr">
+                      <a:solidFill>
+                        <a:srgbClr val="9E9E9E"/>
+                      </a:solidFill>
+                      <a:prstDash val="solid"/>
+                      <a:round/>
+                      <a:headEnd type="none" w="med" len="med"/>
+                      <a:tailEnd type="none" w="med" len="med"/>
+                    </a:lnB>
+                  </a:tcPr>
+                </a:tc>
+                <a:tc>
+                  <a:txBody>
+                    <a:bodyPr/>
+                    <a:lstStyle/>
+                    <a:p>
+                      <a:pPr lvl="0" algn="ctr" rtl="0" fontAlgn="ctr">
+                        <a:spcBef>
+                          <a:spcPts val="0"/>
+                        </a:spcBef>
+                        <a:spcAft>
+                          <a:spcPts val="0"/>
+                        </a:spcAft>
+                      </a:pPr>
+                      <a:r>
+                        <a:rPr lang="ko-KR" altLang="en-US" sz="1100" b="0" i="0" u="none" strike="noStrike" dirty="0" err="1">
+                          <a:solidFill>
+                            <a:srgbClr val="000000"/>
+                          </a:solidFill>
+                          <a:effectLst/>
+                          <a:latin typeface="Arial" panose="020B0604020202020204" pitchFamily="34" charset="0"/>
+                        </a:rPr>
+                        <a:t>잔여석</a:t>
+                      </a:r>
+                      <a:r>
+                        <a:rPr lang="ko-KR" altLang="en-US" sz="1100" b="0" i="0" u="none" strike="noStrike" dirty="0">
+                          <a:solidFill>
+                            <a:srgbClr val="000000"/>
+                          </a:solidFill>
+                          <a:effectLst/>
+                          <a:latin typeface="Arial" panose="020B0604020202020204" pitchFamily="34" charset="0"/>
+                        </a:rPr>
+                        <a:t> 확인을 가능하게 하는 기능</a:t>
+                      </a:r>
+                      <a:r>
+                        <a:rPr lang="en-US" altLang="ko-KR" sz="1100" b="0" i="0" u="none" strike="noStrike" dirty="0">
+                          <a:solidFill>
+                            <a:srgbClr val="000000"/>
+                          </a:solidFill>
+                          <a:effectLst/>
+                          <a:latin typeface="Arial" panose="020B0604020202020204" pitchFamily="34" charset="0"/>
+                        </a:rPr>
+                        <a:t>, </a:t>
+                      </a:r>
+                      <a:r>
+                        <a:rPr lang="ko-KR" altLang="en-US" sz="1100" b="0" i="0" u="none" strike="noStrike" dirty="0">
+                          <a:solidFill>
+                            <a:srgbClr val="000000"/>
+                          </a:solidFill>
+                          <a:effectLst/>
+                          <a:latin typeface="Arial" panose="020B0604020202020204" pitchFamily="34" charset="0"/>
+                        </a:rPr>
+                        <a:t>좌석</a:t>
+                      </a:r>
+                      <a:r>
+                        <a:rPr lang="en-US" altLang="ko-KR" sz="1100" b="0" i="0" u="none" strike="noStrike" dirty="0">
+                          <a:solidFill>
+                            <a:srgbClr val="000000"/>
+                          </a:solidFill>
+                          <a:effectLst/>
+                          <a:latin typeface="Arial" panose="020B0604020202020204" pitchFamily="34" charset="0"/>
+                        </a:rPr>
+                        <a:t>, </a:t>
+                      </a:r>
+                      <a:r>
+                        <a:rPr lang="ko-KR" altLang="en-US" sz="1100" b="0" i="0" u="none" strike="noStrike" dirty="0">
+                          <a:solidFill>
+                            <a:srgbClr val="000000"/>
+                          </a:solidFill>
+                          <a:effectLst/>
+                          <a:latin typeface="Arial" panose="020B0604020202020204" pitchFamily="34" charset="0"/>
+                        </a:rPr>
+                        <a:t>담요</a:t>
+                      </a:r>
+                      <a:r>
+                        <a:rPr lang="en-US" altLang="ko-KR" sz="1100" b="0" i="0" u="none" strike="noStrike" dirty="0">
+                          <a:solidFill>
+                            <a:srgbClr val="000000"/>
+                          </a:solidFill>
+                          <a:effectLst/>
+                          <a:latin typeface="Arial" panose="020B0604020202020204" pitchFamily="34" charset="0"/>
+                        </a:rPr>
+                        <a:t>, </a:t>
+                      </a:r>
+                      <a:r>
+                        <a:rPr lang="ko-KR" altLang="en-US" sz="1100" b="0" i="0" u="none" strike="noStrike" dirty="0">
+                          <a:solidFill>
+                            <a:srgbClr val="000000"/>
+                          </a:solidFill>
+                          <a:effectLst/>
+                          <a:latin typeface="Arial" panose="020B0604020202020204" pitchFamily="34" charset="0"/>
+                        </a:rPr>
+                        <a:t>망원경 신청이 가능한 기능 </a:t>
+                      </a:r>
+                      <a:endParaRPr lang="ko-KR" altLang="en-US" sz="2800" dirty="0">
+                        <a:effectLst/>
+                      </a:endParaRPr>
+                    </a:p>
+                  </a:txBody>
+                  <a:tcPr marL="79202" marR="79202" marT="79202" marB="79202" anchor="ctr">
+                    <a:lnL w="9525" cap="flat" cmpd="sng" algn="ctr">
+                      <a:solidFill>
+                        <a:srgbClr val="9E9E9E"/>
+                      </a:solidFill>
+                      <a:prstDash val="solid"/>
+                      <a:round/>
+                      <a:headEnd type="none" w="med" len="med"/>
+                      <a:tailEnd type="none" w="med" len="med"/>
+                    </a:lnL>
+                    <a:lnR w="9525" cap="flat" cmpd="sng" algn="ctr">
+                      <a:solidFill>
+                        <a:srgbClr val="9E9E9E"/>
+                      </a:solidFill>
+                      <a:prstDash val="solid"/>
+                      <a:round/>
+                      <a:headEnd type="none" w="med" len="med"/>
+                      <a:tailEnd type="none" w="med" len="med"/>
+                    </a:lnR>
+                    <a:lnT w="9525" cap="flat" cmpd="sng" algn="ctr">
+                      <a:solidFill>
+                        <a:srgbClr val="9E9E9E"/>
+                      </a:solidFill>
+                      <a:prstDash val="solid"/>
+                      <a:round/>
+                      <a:headEnd type="none" w="med" len="med"/>
+                      <a:tailEnd type="none" w="med" len="med"/>
+                    </a:lnT>
+                    <a:lnB w="9525" cap="flat" cmpd="sng" algn="ctr">
+                      <a:solidFill>
+                        <a:srgbClr val="9E9E9E"/>
+                      </a:solidFill>
+                      <a:prstDash val="solid"/>
+                      <a:round/>
+                      <a:headEnd type="none" w="med" len="med"/>
+                      <a:tailEnd type="none" w="med" len="med"/>
+                    </a:lnB>
+                  </a:tcPr>
+                </a:tc>
+                <a:tc>
+                  <a:txBody>
+                    <a:bodyPr/>
+                    <a:lstStyle/>
+                    <a:p>
+                      <a:pPr lvl="0" algn="ctr" rtl="0" fontAlgn="ctr">
+                        <a:spcBef>
+                          <a:spcPts val="0"/>
+                        </a:spcBef>
+                        <a:spcAft>
+                          <a:spcPts val="0"/>
+                        </a:spcAft>
+                      </a:pPr>
+                      <a:r>
+                        <a:rPr lang="ko-KR" altLang="en-US" sz="1100" b="0" i="0" u="none" strike="noStrike" dirty="0">
+                          <a:solidFill>
+                            <a:srgbClr val="000000"/>
+                          </a:solidFill>
+                          <a:effectLst/>
+                          <a:latin typeface="Arial" panose="020B0604020202020204" pitchFamily="34" charset="0"/>
+                        </a:rPr>
+                        <a:t>결제선택창이 뜨는 기능과 결제 사이트에 연동되는 기능</a:t>
+                      </a:r>
+                      <a:endParaRPr lang="ko-KR" altLang="en-US" sz="2800" dirty="0">
+                        <a:effectLst/>
+                      </a:endParaRPr>
+                    </a:p>
+                  </a:txBody>
+                  <a:tcPr marL="79202" marR="79202" marT="79202" marB="79202" anchor="ctr">
+                    <a:lnL w="9525" cap="flat" cmpd="sng" algn="ctr">
+                      <a:solidFill>
+                        <a:srgbClr val="9E9E9E"/>
+                      </a:solidFill>
+                      <a:prstDash val="solid"/>
+                      <a:round/>
+                      <a:headEnd type="none" w="med" len="med"/>
+                      <a:tailEnd type="none" w="med" len="med"/>
+                    </a:lnL>
+                    <a:lnR w="9525" cap="flat" cmpd="sng" algn="ctr">
+                      <a:solidFill>
+                        <a:srgbClr val="9E9E9E"/>
+                      </a:solidFill>
+                      <a:prstDash val="solid"/>
+                      <a:round/>
+                      <a:headEnd type="none" w="med" len="med"/>
+                      <a:tailEnd type="none" w="med" len="med"/>
+                    </a:lnR>
+                    <a:lnT w="9525" cap="flat" cmpd="sng" algn="ctr">
+                      <a:solidFill>
+                        <a:srgbClr val="9E9E9E"/>
+                      </a:solidFill>
+                      <a:prstDash val="solid"/>
+                      <a:round/>
+                      <a:headEnd type="none" w="med" len="med"/>
+                      <a:tailEnd type="none" w="med" len="med"/>
+                    </a:lnT>
+                    <a:lnB w="9525" cap="flat" cmpd="sng" algn="ctr">
+                      <a:solidFill>
+                        <a:srgbClr val="9E9E9E"/>
+                      </a:solidFill>
+                      <a:prstDash val="solid"/>
+                      <a:round/>
+                      <a:headEnd type="none" w="med" len="med"/>
+                      <a:tailEnd type="none" w="med" len="med"/>
+                    </a:lnB>
+                  </a:tcPr>
+                </a:tc>
+                <a:tc>
+                  <a:txBody>
+                    <a:bodyPr/>
+                    <a:lstStyle/>
+                    <a:p>
+                      <a:pPr lvl="0" algn="ctr" rtl="0" fontAlgn="ctr">
+                        <a:spcBef>
+                          <a:spcPts val="0"/>
+                        </a:spcBef>
+                        <a:spcAft>
+                          <a:spcPts val="0"/>
+                        </a:spcAft>
+                      </a:pPr>
+                      <a:r>
+                        <a:rPr lang="ko-KR" altLang="en-US" sz="1100" b="0" i="0" u="none" strike="noStrike" dirty="0">
+                          <a:solidFill>
+                            <a:srgbClr val="000000"/>
+                          </a:solidFill>
+                          <a:effectLst/>
+                          <a:latin typeface="Arial" panose="020B0604020202020204" pitchFamily="34" charset="0"/>
+                        </a:rPr>
+                        <a:t>연주회 장소가 나와있는 지도의 확대 축소 기능과 대중교통의 정보가 뜨고 저장할 수 있는 기능</a:t>
+                      </a:r>
+                      <a:endParaRPr lang="ko-KR" altLang="en-US" sz="2800" dirty="0">
+                        <a:effectLst/>
+                      </a:endParaRPr>
+                    </a:p>
+                  </a:txBody>
+                  <a:tcPr marL="79202" marR="79202" marT="79202" marB="79202" anchor="ctr">
+                    <a:lnL w="9525" cap="flat" cmpd="sng" algn="ctr">
+                      <a:solidFill>
+                        <a:srgbClr val="9E9E9E"/>
+                      </a:solidFill>
+                      <a:prstDash val="solid"/>
+                      <a:round/>
+                      <a:headEnd type="none" w="med" len="med"/>
+                      <a:tailEnd type="none" w="med" len="med"/>
+                    </a:lnL>
+                    <a:lnR w="9525" cap="flat" cmpd="sng" algn="ctr">
+                      <a:solidFill>
+                        <a:srgbClr val="9E9E9E"/>
+                      </a:solidFill>
+                      <a:prstDash val="solid"/>
+                      <a:round/>
+                      <a:headEnd type="none" w="med" len="med"/>
+                      <a:tailEnd type="none" w="med" len="med"/>
+                    </a:lnR>
+                    <a:lnT w="9525" cap="flat" cmpd="sng" algn="ctr">
+                      <a:solidFill>
+                        <a:srgbClr val="9E9E9E"/>
+                      </a:solidFill>
+                      <a:prstDash val="solid"/>
+                      <a:round/>
+                      <a:headEnd type="none" w="med" len="med"/>
+                      <a:tailEnd type="none" w="med" len="med"/>
+                    </a:lnT>
+                    <a:lnB w="9525" cap="flat" cmpd="sng" algn="ctr">
+                      <a:solidFill>
+                        <a:srgbClr val="9E9E9E"/>
+                      </a:solidFill>
+                      <a:prstDash val="solid"/>
+                      <a:round/>
+                      <a:headEnd type="none" w="med" len="med"/>
+                      <a:tailEnd type="none" w="med" len="med"/>
+                    </a:lnB>
+                  </a:tcPr>
+                </a:tc>
+                <a:extLst>
+                  <a:ext uri="{0D108BD9-81ED-4DB2-BD59-A6C34878D82A}">
+                    <a16:rowId xmlns:a16="http://schemas.microsoft.com/office/drawing/2014/main" val="4293461496"/>
+                  </a:ext>
+                </a:extLst>
+              </a:tr>
+            </a:tbl>
+          </a:graphicData>
+        </a:graphic>
+      </p:graphicFrame>
+      <p:sp>
+        <p:nvSpPr>
+          <p:cNvPr id="5" name="Rectangle 1">
+            <a:extLst>
+              <a:ext uri="{FF2B5EF4-FFF2-40B4-BE49-F238E27FC236}">
+                <a16:creationId xmlns:a16="http://schemas.microsoft.com/office/drawing/2014/main" id="{DB136E4E-4D19-4515-AEA0-CEACA4B2B66D}"/>
+              </a:ext>
+            </a:extLst>
+          </p:cNvPr>
+          <p:cNvSpPr>
+            <a:spLocks noChangeArrowheads="1"/>
+          </p:cNvSpPr>
+          <p:nvPr/>
+        </p:nvSpPr>
+        <p:spPr bwMode="auto">
+          <a:xfrm>
+            <a:off x="2293938" y="1770063"/>
+            <a:ext cx="12192000" cy="457200"/>
+          </a:xfrm>
+          <a:prstGeom prst="rect">
+            <a:avLst/>
+          </a:prstGeom>
+          <a:noFill/>
+          <a:ln>
+            <a:noFill/>
+          </a:ln>
+          <a:effectLst/>
+          <a:extLst>
+            <a:ext uri="{909E8E84-426E-40DD-AFC4-6F175D3DCCD1}">
+              <a14:hiddenFill xmlns:a14="http://schemas.microsoft.com/office/drawing/2010/main">
+                <a:solidFill>
+                  <a:schemeClr val="accent1"/>
+                </a:solidFill>
+              </a14:hiddenFill>
+            </a:ext>
+            <a:ext uri="{91240B29-F687-4F45-9708-019B960494DF}">
+              <a14:hiddenLine xmlns:a14="http://schemas.microsoft.com/office/drawing/2010/main" w="9525">
+                <a:solidFill>
+                  <a:schemeClr val="tx1"/>
+                </a:solidFill>
+                <a:miter lim="800000"/>
+                <a:headEnd/>
+                <a:tailEnd/>
+              </a14:hiddenLine>
+            </a:ext>
+            <a:ext uri="{AF507438-7753-43E0-B8FC-AC1667EBCBE1}">
+              <a14:hiddenEffects xmlns:a14="http://schemas.microsoft.com/office/drawing/2010/main">
+                <a:effectLst>
+                  <a:outerShdw dist="35921" dir="2700000" algn="ctr" rotWithShape="0">
+                    <a:schemeClr val="bg2"/>
+                  </a:outerShdw>
+                </a:effectLst>
+              </a14:hiddenEffects>
+            </a:ext>
+          </a:extLst>
+        </p:spPr>
+        <p:txBody>
+          <a:bodyPr vert="horz" wrap="none" lIns="91440" tIns="45720" rIns="91440" bIns="45720" numCol="1" anchor="ctr" anchorCtr="0" compatLnSpc="1">
+            <a:prstTxWarp prst="textNoShape">
+              <a:avLst/>
+            </a:prstTxWarp>
+            <a:spAutoFit/>
+          </a:bodyPr>
+          <a:lstStyle/>
+          <a:p>
+            <a:endParaRPr lang="ko-KR" altLang="en-US"/>
+          </a:p>
+        </p:txBody>
+      </p:sp>
+      <p:sp>
+        <p:nvSpPr>
+          <p:cNvPr id="7" name="TextBox 6">
+            <a:extLst>
+              <a:ext uri="{FF2B5EF4-FFF2-40B4-BE49-F238E27FC236}">
+                <a16:creationId xmlns:a16="http://schemas.microsoft.com/office/drawing/2014/main" id="{5BD293AC-C0CB-4385-94CD-C8B5019C55B3}"/>
+              </a:ext>
+            </a:extLst>
+          </p:cNvPr>
+          <p:cNvSpPr txBox="1"/>
+          <p:nvPr/>
+        </p:nvSpPr>
+        <p:spPr>
+          <a:xfrm>
+            <a:off x="323396" y="1979613"/>
+            <a:ext cx="1015663" cy="3430587"/>
+          </a:xfrm>
+          <a:prstGeom prst="rect">
+            <a:avLst/>
+          </a:prstGeom>
+          <a:noFill/>
+        </p:spPr>
+        <p:txBody>
+          <a:bodyPr vert="eaVert" wrap="square" rtlCol="0">
+            <a:spAutoFit/>
+          </a:bodyPr>
+          <a:lstStyle/>
+          <a:p>
+            <a:r>
+              <a:rPr lang="ko-KR" altLang="en-US" sz="5400" b="1" dirty="0">
+                <a:effectLst>
+                  <a:outerShdw blurRad="38100" dist="38100" dir="2700000" algn="tl">
+                    <a:srgbClr val="000000">
+                      <a:alpha val="43137"/>
+                    </a:srgbClr>
+                  </a:outerShdw>
+                </a:effectLst>
+              </a:rPr>
+              <a:t>시나리오</a:t>
+            </a:r>
+          </a:p>
+        </p:txBody>
+      </p:sp>
+    </p:spTree>
+    <p:extLst>
+      <p:ext uri="{BB962C8B-B14F-4D97-AF65-F5344CB8AC3E}">
+        <p14:creationId xmlns:p14="http://schemas.microsoft.com/office/powerpoint/2010/main" val="4102723474"/>
+      </p:ext>
+    </p:extLst>
+  </p:cSld>
+  <p:clrMapOvr>
+    <a:masterClrMapping/>
+  </p:clrMapOvr>
+</p:sld>
+</file>
+
+<file path=ppt/slides/slide3.xml><?xml version="1.0" encoding="utf-8"?>
+<p:sld xmlns:a="http://schemas.openxmlformats.org/drawingml/2006/main" xmlns:r="http://schemas.openxmlformats.org/officeDocument/2006/relationships" xmlns:p="http://schemas.openxmlformats.org/presentationml/2006/main">
+  <p:cSld>
+    <p:spTree>
+      <p:nvGrpSpPr>
+        <p:cNvPr id="1" name=""/>
+        <p:cNvGrpSpPr/>
+        <p:nvPr/>
+      </p:nvGrpSpPr>
+      <p:grpSpPr>
+        <a:xfrm>
+          <a:off x="0" y="0"/>
+          <a:ext cx="0" cy="0"/>
+          <a:chOff x="0" y="0"/>
+          <a:chExt cx="0" cy="0"/>
+        </a:xfrm>
+      </p:grpSpPr>
+      <p:sp>
+        <p:nvSpPr>
+          <p:cNvPr id="4" name="직사각형 3">
+            <a:extLst>
+              <a:ext uri="{FF2B5EF4-FFF2-40B4-BE49-F238E27FC236}">
+                <a16:creationId xmlns:a16="http://schemas.microsoft.com/office/drawing/2014/main" id="{FE823970-3FA1-4807-8F15-A4A309A31F3D}"/>
+              </a:ext>
+            </a:extLst>
+          </p:cNvPr>
+          <p:cNvSpPr/>
+          <p:nvPr/>
+        </p:nvSpPr>
+        <p:spPr>
+          <a:xfrm>
+            <a:off x="1658044" y="3213909"/>
+            <a:ext cx="1255222" cy="473826"/>
+          </a:xfrm>
+          <a:prstGeom prst="rect">
+            <a:avLst/>
+          </a:prstGeom>
+        </p:spPr>
+        <p:style>
+          <a:lnRef idx="2">
+            <a:schemeClr val="accent1"/>
+          </a:lnRef>
+          <a:fillRef idx="1">
+            <a:schemeClr val="lt1"/>
+          </a:fillRef>
+          <a:effectRef idx="0">
+            <a:schemeClr val="accent1"/>
+          </a:effectRef>
+          <a:fontRef idx="minor">
+            <a:schemeClr val="dk1"/>
+          </a:fontRef>
+        </p:style>
+        <p:txBody>
+          <a:bodyPr rtlCol="0" anchor="ctr"/>
+          <a:lstStyle/>
+          <a:p>
+            <a:pPr algn="ctr"/>
+            <a:r>
+              <a:rPr lang="en-US" altLang="ko-KR"/>
+              <a:t>START</a:t>
+            </a:r>
+            <a:endParaRPr lang="ko-KR" altLang="en-US"/>
+          </a:p>
+        </p:txBody>
+      </p:sp>
+      <p:sp>
+        <p:nvSpPr>
+          <p:cNvPr id="5" name="직사각형 4">
+            <a:extLst>
+              <a:ext uri="{FF2B5EF4-FFF2-40B4-BE49-F238E27FC236}">
+                <a16:creationId xmlns:a16="http://schemas.microsoft.com/office/drawing/2014/main" id="{1E55BF52-D360-4942-BBD6-A6A7E06D4905}"/>
+              </a:ext>
+            </a:extLst>
+          </p:cNvPr>
+          <p:cNvSpPr/>
+          <p:nvPr/>
+        </p:nvSpPr>
+        <p:spPr>
+          <a:xfrm>
+            <a:off x="3364924" y="3213909"/>
+            <a:ext cx="1294014" cy="473826"/>
+          </a:xfrm>
+          <a:prstGeom prst="rect">
+            <a:avLst/>
+          </a:prstGeom>
+        </p:spPr>
+        <p:style>
+          <a:lnRef idx="2">
+            <a:schemeClr val="accent1"/>
+          </a:lnRef>
+          <a:fillRef idx="1">
+            <a:schemeClr val="lt1"/>
+          </a:fillRef>
+          <a:effectRef idx="0">
+            <a:schemeClr val="accent1"/>
+          </a:effectRef>
+          <a:fontRef idx="minor">
+            <a:schemeClr val="dk1"/>
+          </a:fontRef>
+        </p:style>
+        <p:txBody>
+          <a:bodyPr rtlCol="0" anchor="ctr"/>
+          <a:lstStyle/>
+          <a:p>
+            <a:pPr algn="ctr"/>
+            <a:r>
+              <a:rPr lang="ko-KR" altLang="en-US" dirty="0" err="1"/>
+              <a:t>메인화면</a:t>
+            </a:r>
+            <a:endParaRPr lang="ko-KR" altLang="en-US" dirty="0"/>
+          </a:p>
+        </p:txBody>
+      </p:sp>
+      <p:sp>
+        <p:nvSpPr>
+          <p:cNvPr id="6" name="직사각형 5">
+            <a:extLst>
+              <a:ext uri="{FF2B5EF4-FFF2-40B4-BE49-F238E27FC236}">
+                <a16:creationId xmlns:a16="http://schemas.microsoft.com/office/drawing/2014/main" id="{F3358126-F21C-4DBA-8FC1-6149752E1B87}"/>
+              </a:ext>
+            </a:extLst>
+          </p:cNvPr>
+          <p:cNvSpPr/>
+          <p:nvPr/>
+        </p:nvSpPr>
+        <p:spPr>
+          <a:xfrm>
+            <a:off x="5110597" y="3213909"/>
+            <a:ext cx="1269076" cy="473826"/>
+          </a:xfrm>
+          <a:prstGeom prst="rect">
+            <a:avLst/>
+          </a:prstGeom>
+        </p:spPr>
+        <p:style>
+          <a:lnRef idx="2">
+            <a:schemeClr val="accent1"/>
+          </a:lnRef>
+          <a:fillRef idx="1">
+            <a:schemeClr val="lt1"/>
+          </a:fillRef>
+          <a:effectRef idx="0">
+            <a:schemeClr val="accent1"/>
+          </a:effectRef>
+          <a:fontRef idx="minor">
+            <a:schemeClr val="dk1"/>
+          </a:fontRef>
+        </p:style>
+        <p:txBody>
+          <a:bodyPr rtlCol="0" anchor="ctr"/>
+          <a:lstStyle/>
+          <a:p>
+            <a:pPr algn="ctr"/>
+            <a:r>
+              <a:rPr lang="ko-KR" altLang="en-US"/>
+              <a:t>로그인</a:t>
+            </a:r>
+          </a:p>
+        </p:txBody>
+      </p:sp>
+      <p:sp>
+        <p:nvSpPr>
+          <p:cNvPr id="7" name="직사각형 6">
+            <a:extLst>
+              <a:ext uri="{FF2B5EF4-FFF2-40B4-BE49-F238E27FC236}">
+                <a16:creationId xmlns:a16="http://schemas.microsoft.com/office/drawing/2014/main" id="{D9674D10-370A-4C23-850C-5CE6F4425FFF}"/>
+              </a:ext>
+            </a:extLst>
+          </p:cNvPr>
+          <p:cNvSpPr/>
+          <p:nvPr/>
+        </p:nvSpPr>
+        <p:spPr>
+          <a:xfrm>
+            <a:off x="5110597" y="4338898"/>
+            <a:ext cx="1269076" cy="473826"/>
+          </a:xfrm>
+          <a:prstGeom prst="rect">
+            <a:avLst/>
+          </a:prstGeom>
+        </p:spPr>
+        <p:style>
+          <a:lnRef idx="2">
+            <a:schemeClr val="accent1"/>
+          </a:lnRef>
+          <a:fillRef idx="1">
+            <a:schemeClr val="lt1"/>
+          </a:fillRef>
+          <a:effectRef idx="0">
+            <a:schemeClr val="accent1"/>
+          </a:effectRef>
+          <a:fontRef idx="minor">
+            <a:schemeClr val="dk1"/>
+          </a:fontRef>
+        </p:style>
+        <p:txBody>
+          <a:bodyPr rtlCol="0" anchor="ctr"/>
+          <a:lstStyle/>
+          <a:p>
+            <a:pPr algn="ctr"/>
+            <a:r>
+              <a:rPr lang="ko-KR" altLang="en-US"/>
+              <a:t>회원가입</a:t>
+            </a:r>
+          </a:p>
+        </p:txBody>
+      </p:sp>
+      <p:sp>
+        <p:nvSpPr>
+          <p:cNvPr id="8" name="직사각형 7">
+            <a:extLst>
+              <a:ext uri="{FF2B5EF4-FFF2-40B4-BE49-F238E27FC236}">
+                <a16:creationId xmlns:a16="http://schemas.microsoft.com/office/drawing/2014/main" id="{0655CC97-E42B-43CC-A1FE-DC0D56D7765B}"/>
+              </a:ext>
+            </a:extLst>
+          </p:cNvPr>
+          <p:cNvSpPr/>
+          <p:nvPr/>
+        </p:nvSpPr>
+        <p:spPr>
+          <a:xfrm>
+            <a:off x="5110597" y="1854474"/>
+            <a:ext cx="1269076" cy="712125"/>
+          </a:xfrm>
+          <a:prstGeom prst="rect">
+            <a:avLst/>
+          </a:prstGeom>
+        </p:spPr>
+        <p:style>
+          <a:lnRef idx="2">
+            <a:schemeClr val="accent1"/>
+          </a:lnRef>
+          <a:fillRef idx="1">
+            <a:schemeClr val="lt1"/>
+          </a:fillRef>
+          <a:effectRef idx="0">
+            <a:schemeClr val="accent1"/>
+          </a:effectRef>
+          <a:fontRef idx="minor">
+            <a:schemeClr val="dk1"/>
+          </a:fontRef>
+        </p:style>
+        <p:txBody>
+          <a:bodyPr rtlCol="0" anchor="ctr"/>
+          <a:lstStyle/>
+          <a:p>
+            <a:pPr algn="ctr"/>
+            <a:r>
+              <a:rPr lang="ko-KR" altLang="en-US"/>
+              <a:t>연주자들 프로필</a:t>
+            </a:r>
+          </a:p>
+        </p:txBody>
+      </p:sp>
+      <p:sp>
+        <p:nvSpPr>
+          <p:cNvPr id="9" name="직사각형 8">
+            <a:extLst>
+              <a:ext uri="{FF2B5EF4-FFF2-40B4-BE49-F238E27FC236}">
+                <a16:creationId xmlns:a16="http://schemas.microsoft.com/office/drawing/2014/main" id="{B8A768B9-0A48-4FF4-8917-98545D87638B}"/>
+              </a:ext>
+            </a:extLst>
+          </p:cNvPr>
+          <p:cNvSpPr/>
+          <p:nvPr/>
+        </p:nvSpPr>
+        <p:spPr>
+          <a:xfrm>
+            <a:off x="7231728" y="1969770"/>
+            <a:ext cx="1269076" cy="473826"/>
+          </a:xfrm>
+          <a:prstGeom prst="rect">
+            <a:avLst/>
+          </a:prstGeom>
+        </p:spPr>
+        <p:style>
+          <a:lnRef idx="2">
+            <a:schemeClr val="accent1"/>
+          </a:lnRef>
+          <a:fillRef idx="1">
+            <a:schemeClr val="lt1"/>
+          </a:fillRef>
+          <a:effectRef idx="0">
+            <a:schemeClr val="accent1"/>
+          </a:effectRef>
+          <a:fontRef idx="minor">
+            <a:schemeClr val="dk1"/>
+          </a:fontRef>
+        </p:style>
+        <p:txBody>
+          <a:bodyPr rtlCol="0" anchor="ctr"/>
+          <a:lstStyle/>
+          <a:p>
+            <a:pPr algn="ctr"/>
+            <a:r>
+              <a:rPr lang="ko-KR" altLang="en-US"/>
+              <a:t>예매</a:t>
+            </a:r>
+            <a:r>
+              <a:rPr lang="en-US" altLang="ko-KR"/>
+              <a:t>/</a:t>
+            </a:r>
+            <a:r>
+              <a:rPr lang="ko-KR" altLang="en-US"/>
+              <a:t>결재</a:t>
+            </a:r>
+          </a:p>
+        </p:txBody>
+      </p:sp>
+      <p:sp>
+        <p:nvSpPr>
+          <p:cNvPr id="10" name="직사각형 9">
+            <a:extLst>
+              <a:ext uri="{FF2B5EF4-FFF2-40B4-BE49-F238E27FC236}">
+                <a16:creationId xmlns:a16="http://schemas.microsoft.com/office/drawing/2014/main" id="{740C4039-34C6-462F-8838-636E174266C5}"/>
+              </a:ext>
+            </a:extLst>
+          </p:cNvPr>
+          <p:cNvSpPr/>
+          <p:nvPr/>
+        </p:nvSpPr>
+        <p:spPr>
+          <a:xfrm>
+            <a:off x="9352859" y="1969770"/>
+            <a:ext cx="1269076" cy="473826"/>
+          </a:xfrm>
+          <a:prstGeom prst="rect">
+            <a:avLst/>
+          </a:prstGeom>
+        </p:spPr>
+        <p:style>
+          <a:lnRef idx="2">
+            <a:schemeClr val="accent1"/>
+          </a:lnRef>
+          <a:fillRef idx="1">
+            <a:schemeClr val="lt1"/>
+          </a:fillRef>
+          <a:effectRef idx="0">
+            <a:schemeClr val="accent1"/>
+          </a:effectRef>
+          <a:fontRef idx="minor">
+            <a:schemeClr val="dk1"/>
+          </a:fontRef>
+        </p:style>
+        <p:txBody>
+          <a:bodyPr rtlCol="0" anchor="ctr"/>
+          <a:lstStyle/>
+          <a:p>
+            <a:pPr algn="ctr"/>
+            <a:r>
+              <a:rPr lang="ko-KR" altLang="en-US"/>
+              <a:t>오시는길</a:t>
+            </a:r>
+          </a:p>
+        </p:txBody>
+      </p:sp>
+      <p:cxnSp>
+        <p:nvCxnSpPr>
+          <p:cNvPr id="11" name="직선 화살표 연결선 10">
+            <a:extLst>
+              <a:ext uri="{FF2B5EF4-FFF2-40B4-BE49-F238E27FC236}">
+                <a16:creationId xmlns:a16="http://schemas.microsoft.com/office/drawing/2014/main" id="{683112E1-E384-4B0D-B6C8-73E85FFAC2E4}"/>
+              </a:ext>
+            </a:extLst>
+          </p:cNvPr>
+          <p:cNvCxnSpPr>
+            <a:stCxn id="6" idx="0"/>
+          </p:cNvCxnSpPr>
+          <p:nvPr/>
+        </p:nvCxnSpPr>
+        <p:spPr>
+          <a:xfrm flipV="1">
+            <a:off x="5745135" y="2562746"/>
+            <a:ext cx="2770" cy="651163"/>
+          </a:xfrm>
+          <a:prstGeom prst="straightConnector1">
+            <a:avLst/>
+          </a:prstGeom>
+          <a:ln>
+            <a:tailEnd type="triangle"/>
+          </a:ln>
+        </p:spPr>
+        <p:style>
+          <a:lnRef idx="1">
+            <a:schemeClr val="accent1"/>
+          </a:lnRef>
+          <a:fillRef idx="0">
+            <a:schemeClr val="accent1"/>
+          </a:fillRef>
+          <a:effectRef idx="0">
+            <a:schemeClr val="accent1"/>
+          </a:effectRef>
+          <a:fontRef idx="minor">
+            <a:schemeClr val="tx1"/>
+          </a:fontRef>
+        </p:style>
+      </p:cxnSp>
+      <p:cxnSp>
+        <p:nvCxnSpPr>
+          <p:cNvPr id="12" name="직선 화살표 연결선 11">
+            <a:extLst>
+              <a:ext uri="{FF2B5EF4-FFF2-40B4-BE49-F238E27FC236}">
+                <a16:creationId xmlns:a16="http://schemas.microsoft.com/office/drawing/2014/main" id="{745C7AB5-489F-4585-9347-FF4896A065C6}"/>
+              </a:ext>
+            </a:extLst>
+          </p:cNvPr>
+          <p:cNvCxnSpPr>
+            <a:stCxn id="4" idx="3"/>
+            <a:endCxn id="5" idx="1"/>
+          </p:cNvCxnSpPr>
+          <p:nvPr/>
+        </p:nvCxnSpPr>
+        <p:spPr>
+          <a:xfrm>
+            <a:off x="2913266" y="3450822"/>
+            <a:ext cx="451658" cy="0"/>
+          </a:xfrm>
+          <a:prstGeom prst="straightConnector1">
+            <a:avLst/>
+          </a:prstGeom>
+          <a:ln>
+            <a:tailEnd type="triangle"/>
+          </a:ln>
+        </p:spPr>
+        <p:style>
+          <a:lnRef idx="1">
+            <a:schemeClr val="accent1"/>
+          </a:lnRef>
+          <a:fillRef idx="0">
+            <a:schemeClr val="accent1"/>
+          </a:fillRef>
+          <a:effectRef idx="0">
+            <a:schemeClr val="accent1"/>
+          </a:effectRef>
+          <a:fontRef idx="minor">
+            <a:schemeClr val="tx1"/>
+          </a:fontRef>
+        </p:style>
+      </p:cxnSp>
+      <p:cxnSp>
+        <p:nvCxnSpPr>
+          <p:cNvPr id="13" name="직선 화살표 연결선 12">
+            <a:extLst>
+              <a:ext uri="{FF2B5EF4-FFF2-40B4-BE49-F238E27FC236}">
+                <a16:creationId xmlns:a16="http://schemas.microsoft.com/office/drawing/2014/main" id="{8DC7AECD-1AE9-4121-BC88-423594DFFD63}"/>
+              </a:ext>
+            </a:extLst>
+          </p:cNvPr>
+          <p:cNvCxnSpPr>
+            <a:cxnSpLocks/>
+          </p:cNvCxnSpPr>
+          <p:nvPr/>
+        </p:nvCxnSpPr>
+        <p:spPr>
+          <a:xfrm>
+            <a:off x="4658938" y="3436968"/>
+            <a:ext cx="451658" cy="0"/>
+          </a:xfrm>
+          <a:prstGeom prst="straightConnector1">
+            <a:avLst/>
+          </a:prstGeom>
+          <a:ln>
+            <a:tailEnd type="triangle"/>
+          </a:ln>
+        </p:spPr>
+        <p:style>
+          <a:lnRef idx="1">
+            <a:schemeClr val="accent1"/>
+          </a:lnRef>
+          <a:fillRef idx="0">
+            <a:schemeClr val="accent1"/>
+          </a:fillRef>
+          <a:effectRef idx="0">
+            <a:schemeClr val="accent1"/>
+          </a:effectRef>
+          <a:fontRef idx="minor">
+            <a:schemeClr val="tx1"/>
+          </a:fontRef>
+        </p:style>
+      </p:cxnSp>
+      <p:cxnSp>
+        <p:nvCxnSpPr>
+          <p:cNvPr id="14" name="직선 화살표 연결선 13">
+            <a:extLst>
+              <a:ext uri="{FF2B5EF4-FFF2-40B4-BE49-F238E27FC236}">
+                <a16:creationId xmlns:a16="http://schemas.microsoft.com/office/drawing/2014/main" id="{5A53C45C-CB6F-4AEB-951C-0F464F3468F4}"/>
+              </a:ext>
+            </a:extLst>
+          </p:cNvPr>
+          <p:cNvCxnSpPr>
+            <a:stCxn id="6" idx="2"/>
+            <a:endCxn id="7" idx="0"/>
+          </p:cNvCxnSpPr>
+          <p:nvPr/>
+        </p:nvCxnSpPr>
+        <p:spPr>
+          <a:xfrm>
+            <a:off x="5745135" y="3687735"/>
+            <a:ext cx="0" cy="651163"/>
+          </a:xfrm>
+          <a:prstGeom prst="straightConnector1">
+            <a:avLst/>
+          </a:prstGeom>
+          <a:ln>
+            <a:tailEnd type="triangle"/>
+          </a:ln>
+        </p:spPr>
+        <p:style>
+          <a:lnRef idx="1">
+            <a:schemeClr val="accent1"/>
+          </a:lnRef>
+          <a:fillRef idx="0">
+            <a:schemeClr val="accent1"/>
+          </a:fillRef>
+          <a:effectRef idx="0">
+            <a:schemeClr val="accent1"/>
+          </a:effectRef>
+          <a:fontRef idx="minor">
+            <a:schemeClr val="tx1"/>
+          </a:fontRef>
+        </p:style>
+      </p:cxnSp>
+      <p:sp>
+        <p:nvSpPr>
+          <p:cNvPr id="15" name="TextBox 14">
+            <a:extLst>
+              <a:ext uri="{FF2B5EF4-FFF2-40B4-BE49-F238E27FC236}">
+                <a16:creationId xmlns:a16="http://schemas.microsoft.com/office/drawing/2014/main" id="{0857F815-002C-4DEA-970B-E72E003E16D1}"/>
+              </a:ext>
+            </a:extLst>
+          </p:cNvPr>
+          <p:cNvSpPr txBox="1"/>
+          <p:nvPr/>
+        </p:nvSpPr>
+        <p:spPr>
+          <a:xfrm>
+            <a:off x="5698029" y="3859427"/>
+            <a:ext cx="681644" cy="307777"/>
+          </a:xfrm>
+          <a:prstGeom prst="rect">
+            <a:avLst/>
+          </a:prstGeom>
+          <a:noFill/>
+        </p:spPr>
+        <p:txBody>
+          <a:bodyPr wrap="square" rtlCol="0">
+            <a:spAutoFit/>
+          </a:bodyPr>
+          <a:lstStyle/>
+          <a:p>
+            <a:r>
+              <a:rPr lang="en-US" altLang="ko-KR" sz="1400"/>
+              <a:t>NO</a:t>
+            </a:r>
+            <a:endParaRPr lang="ko-KR" altLang="en-US"/>
+          </a:p>
+        </p:txBody>
+      </p:sp>
+      <p:sp>
+        <p:nvSpPr>
+          <p:cNvPr id="16" name="TextBox 15">
+            <a:extLst>
+              <a:ext uri="{FF2B5EF4-FFF2-40B4-BE49-F238E27FC236}">
+                <a16:creationId xmlns:a16="http://schemas.microsoft.com/office/drawing/2014/main" id="{EE4641E6-B4A4-400B-8929-79D470E42F59}"/>
+              </a:ext>
+            </a:extLst>
+          </p:cNvPr>
+          <p:cNvSpPr txBox="1"/>
+          <p:nvPr/>
+        </p:nvSpPr>
+        <p:spPr>
+          <a:xfrm>
+            <a:off x="5745135" y="2756403"/>
+            <a:ext cx="681644" cy="307777"/>
+          </a:xfrm>
+          <a:prstGeom prst="rect">
+            <a:avLst/>
+          </a:prstGeom>
+          <a:noFill/>
+        </p:spPr>
+        <p:txBody>
+          <a:bodyPr wrap="square" rtlCol="0">
+            <a:spAutoFit/>
+          </a:bodyPr>
+          <a:lstStyle/>
+          <a:p>
+            <a:r>
+              <a:rPr lang="en-US" altLang="ko-KR" sz="1400"/>
+              <a:t>YES</a:t>
+            </a:r>
+            <a:endParaRPr lang="ko-KR" altLang="en-US"/>
+          </a:p>
+        </p:txBody>
+      </p:sp>
+      <p:cxnSp>
+        <p:nvCxnSpPr>
+          <p:cNvPr id="17" name="직선 화살표 연결선 16">
+            <a:extLst>
+              <a:ext uri="{FF2B5EF4-FFF2-40B4-BE49-F238E27FC236}">
+                <a16:creationId xmlns:a16="http://schemas.microsoft.com/office/drawing/2014/main" id="{A9098899-CF12-46A9-BE38-8E227224500D}"/>
+              </a:ext>
+            </a:extLst>
+          </p:cNvPr>
+          <p:cNvCxnSpPr>
+            <a:stCxn id="8" idx="3"/>
+            <a:endCxn id="9" idx="1"/>
+          </p:cNvCxnSpPr>
+          <p:nvPr/>
+        </p:nvCxnSpPr>
+        <p:spPr>
+          <a:xfrm flipV="1">
+            <a:off x="6379673" y="2206683"/>
+            <a:ext cx="852055" cy="3854"/>
+          </a:xfrm>
+          <a:prstGeom prst="straightConnector1">
+            <a:avLst/>
+          </a:prstGeom>
+          <a:ln>
+            <a:tailEnd type="triangle"/>
+          </a:ln>
+        </p:spPr>
+        <p:style>
+          <a:lnRef idx="1">
+            <a:schemeClr val="accent1"/>
+          </a:lnRef>
+          <a:fillRef idx="0">
+            <a:schemeClr val="accent1"/>
+          </a:fillRef>
+          <a:effectRef idx="0">
+            <a:schemeClr val="accent1"/>
+          </a:effectRef>
+          <a:fontRef idx="minor">
+            <a:schemeClr val="tx1"/>
+          </a:fontRef>
+        </p:style>
+      </p:cxnSp>
+      <p:cxnSp>
+        <p:nvCxnSpPr>
+          <p:cNvPr id="18" name="직선 화살표 연결선 17">
+            <a:extLst>
+              <a:ext uri="{FF2B5EF4-FFF2-40B4-BE49-F238E27FC236}">
+                <a16:creationId xmlns:a16="http://schemas.microsoft.com/office/drawing/2014/main" id="{8EB89AB1-239E-4E7F-B401-5050992191B7}"/>
+              </a:ext>
+            </a:extLst>
+          </p:cNvPr>
+          <p:cNvCxnSpPr>
+            <a:cxnSpLocks/>
+          </p:cNvCxnSpPr>
+          <p:nvPr/>
+        </p:nvCxnSpPr>
+        <p:spPr>
+          <a:xfrm flipV="1">
+            <a:off x="8500804" y="2190057"/>
+            <a:ext cx="852055" cy="1"/>
+          </a:xfrm>
+          <a:prstGeom prst="straightConnector1">
+            <a:avLst/>
+          </a:prstGeom>
+          <a:ln>
+            <a:tailEnd type="triangle"/>
+          </a:ln>
+        </p:spPr>
+        <p:style>
+          <a:lnRef idx="1">
+            <a:schemeClr val="accent1"/>
+          </a:lnRef>
+          <a:fillRef idx="0">
+            <a:schemeClr val="accent1"/>
+          </a:fillRef>
+          <a:effectRef idx="0">
+            <a:schemeClr val="accent1"/>
+          </a:effectRef>
+          <a:fontRef idx="minor">
+            <a:schemeClr val="tx1"/>
+          </a:fontRef>
+        </p:style>
+      </p:cxnSp>
+      <p:cxnSp>
+        <p:nvCxnSpPr>
+          <p:cNvPr id="19" name="연결선: 꺾임 18">
+            <a:extLst>
+              <a:ext uri="{FF2B5EF4-FFF2-40B4-BE49-F238E27FC236}">
+                <a16:creationId xmlns:a16="http://schemas.microsoft.com/office/drawing/2014/main" id="{923A70B3-7744-43F9-8C26-25C3EA9CAD96}"/>
+              </a:ext>
+            </a:extLst>
+          </p:cNvPr>
+          <p:cNvCxnSpPr>
+            <a:cxnSpLocks/>
+            <a:stCxn id="7" idx="3"/>
+            <a:endCxn id="6" idx="3"/>
+          </p:cNvCxnSpPr>
+          <p:nvPr/>
+        </p:nvCxnSpPr>
+        <p:spPr>
+          <a:xfrm flipV="1">
+            <a:off x="6379673" y="3450822"/>
+            <a:ext cx="12700" cy="1124989"/>
+          </a:xfrm>
+          <a:prstGeom prst="bentConnector3">
+            <a:avLst>
+              <a:gd name="adj1" fmla="val 1800000"/>
+            </a:avLst>
+          </a:prstGeom>
+          <a:ln>
+            <a:tailEnd type="triangle"/>
+          </a:ln>
+        </p:spPr>
+        <p:style>
+          <a:lnRef idx="1">
+            <a:schemeClr val="accent1"/>
+          </a:lnRef>
+          <a:fillRef idx="0">
+            <a:schemeClr val="accent1"/>
+          </a:fillRef>
+          <a:effectRef idx="0">
+            <a:schemeClr val="accent1"/>
+          </a:effectRef>
+          <a:fontRef idx="minor">
+            <a:schemeClr val="tx1"/>
+          </a:fontRef>
+        </p:style>
+      </p:cxnSp>
+      <p:sp>
+        <p:nvSpPr>
+          <p:cNvPr id="25" name="제목 24">
+            <a:extLst>
+              <a:ext uri="{FF2B5EF4-FFF2-40B4-BE49-F238E27FC236}">
+                <a16:creationId xmlns:a16="http://schemas.microsoft.com/office/drawing/2014/main" id="{3A5E74CE-DED9-4D87-BCD0-C43B30C55738}"/>
+              </a:ext>
+            </a:extLst>
+          </p:cNvPr>
+          <p:cNvSpPr>
+            <a:spLocks noGrp="1"/>
+          </p:cNvSpPr>
+          <p:nvPr>
+            <p:ph type="title"/>
+          </p:nvPr>
+        </p:nvSpPr>
+        <p:spPr/>
+        <p:txBody>
+          <a:bodyPr>
+            <a:normAutofit/>
+          </a:bodyPr>
+          <a:lstStyle/>
+          <a:p>
+            <a:r>
+              <a:rPr lang="en-US" altLang="ko-KR" sz="4000" dirty="0"/>
+              <a:t>User Flow</a:t>
+            </a:r>
+            <a:endParaRPr lang="ko-KR" altLang="en-US" sz="4000" dirty="0"/>
+          </a:p>
+        </p:txBody>
+      </p:sp>
+    </p:spTree>
+    <p:extLst>
+      <p:ext uri="{BB962C8B-B14F-4D97-AF65-F5344CB8AC3E}">
+        <p14:creationId xmlns:p14="http://schemas.microsoft.com/office/powerpoint/2010/main" val="103238507"/>
+      </p:ext>
+    </p:extLst>
+  </p:cSld>
+  <p:clrMapOvr>
+    <a:masterClrMapping/>
+  </p:clrMapOvr>
+</p:sld>
+</file>
+
+<file path=ppt/slides/slide4.xml><?xml version="1.0" encoding="utf-8"?>
+<p:sld xmlns:a="http://schemas.openxmlformats.org/drawingml/2006/main" xmlns:r="http://schemas.openxmlformats.org/officeDocument/2006/relationships" xmlns:p="http://schemas.openxmlformats.org/presentationml/2006/main">
+  <p:cSld>
+    <p:spTree>
+      <p:nvGrpSpPr>
+        <p:cNvPr id="1" name=""/>
+        <p:cNvGrpSpPr/>
+        <p:nvPr/>
+      </p:nvGrpSpPr>
+      <p:grpSpPr>
+        <a:xfrm>
+          <a:off x="0" y="0"/>
+          <a:ext cx="0" cy="0"/>
+          <a:chOff x="0" y="0"/>
+          <a:chExt cx="0" cy="0"/>
+        </a:xfrm>
+      </p:grpSpPr>
       <p:sp>
         <p:nvSpPr>
           <p:cNvPr id="2" name="제목 1">
             <a:extLst>
               <a:ext uri="{FF2B5EF4-FFF2-40B4-BE49-F238E27FC236}">
-                <a16:creationId xmlns:a16="http://schemas.microsoft.com/office/drawing/2014/main" id="{8E645F29-9FAE-45F6-886D-890C61B310E0}"/>
+                <a16:creationId xmlns:a16="http://schemas.microsoft.com/office/drawing/2014/main" id="{34BAA8A7-8E14-46DC-893D-F4D22A58CC2D}"/>
               </a:ext>
             </a:extLst>
           </p:cNvPr>
@@ -4028,39 +8363,17 @@
           <a:bodyPr/>
           <a:lstStyle/>
           <a:p>
-            <a:endParaRPr lang="ko-KR" altLang="en-US"/>
-          </a:p>
-        </p:txBody>
-      </p:sp>
-      <p:sp>
-        <p:nvSpPr>
-          <p:cNvPr id="3" name="내용 개체 틀 2">
-            <a:extLst>
-              <a:ext uri="{FF2B5EF4-FFF2-40B4-BE49-F238E27FC236}">
-                <a16:creationId xmlns:a16="http://schemas.microsoft.com/office/drawing/2014/main" id="{6D65ECE1-8787-435B-9534-27998E24D8FB}"/>
-              </a:ext>
-            </a:extLst>
-          </p:cNvPr>
-          <p:cNvSpPr>
-            <a:spLocks noGrp="1"/>
-          </p:cNvSpPr>
-          <p:nvPr>
-            <p:ph idx="1"/>
-          </p:nvPr>
-        </p:nvSpPr>
-        <p:spPr/>
-        <p:txBody>
-          <a:bodyPr/>
-          <a:lstStyle/>
-          <a:p>
-            <a:endParaRPr lang="ko-KR" altLang="en-US"/>
+            <a:r>
+              <a:rPr lang="ko-KR" altLang="en-US" dirty="0"/>
+              <a:t>시나리오에 따른 서비스 경로</a:t>
+            </a:r>
           </a:p>
         </p:txBody>
       </p:sp>
     </p:spTree>
     <p:extLst>
       <p:ext uri="{BB962C8B-B14F-4D97-AF65-F5344CB8AC3E}">
-        <p14:creationId xmlns:p14="http://schemas.microsoft.com/office/powerpoint/2010/main" val="2134652807"/>
+        <p14:creationId xmlns:p14="http://schemas.microsoft.com/office/powerpoint/2010/main" val="841655518"/>
       </p:ext>
     </p:extLst>
   </p:cSld>
